--- a/HW/Presentation/MTH9879-Presentation #4.pptx
+++ b/HW/Presentation/MTH9879-Presentation #4.pptx
@@ -5,16 +5,15 @@
     <p:sldMasterId id="2147483659" r:id="rId1"/>
   </p:sldMasterIdLst>
   <p:notesMasterIdLst>
-    <p:notesMasterId r:id="rId9"/>
+    <p:notesMasterId r:id="rId8"/>
   </p:notesMasterIdLst>
   <p:sldIdLst>
     <p:sldId id="256" r:id="rId2"/>
-    <p:sldId id="257" r:id="rId3"/>
-    <p:sldId id="258" r:id="rId4"/>
-    <p:sldId id="259" r:id="rId5"/>
-    <p:sldId id="260" r:id="rId6"/>
-    <p:sldId id="261" r:id="rId7"/>
-    <p:sldId id="262" r:id="rId8"/>
+    <p:sldId id="263" r:id="rId3"/>
+    <p:sldId id="259" r:id="rId4"/>
+    <p:sldId id="260" r:id="rId5"/>
+    <p:sldId id="261" r:id="rId6"/>
+    <p:sldId id="262" r:id="rId7"/>
   </p:sldIdLst>
   <p:sldSz cx="9144000" cy="5143500" type="screen16x9"/>
   <p:notesSz cx="6858000" cy="9144000"/>
@@ -591,7 +590,7 @@
   <p:cSld>
     <p:spTree>
       <p:nvGrpSpPr>
-        <p:cNvPr id="1" name="Shape 65"/>
+        <p:cNvPr id="1" name="Shape 84"/>
         <p:cNvGrpSpPr/>
         <p:nvPr/>
       </p:nvGrpSpPr>
@@ -605,7 +604,7 @@
       </p:grpSpPr>
       <p:sp>
         <p:nvSpPr>
-          <p:cNvPr id="66" name="Shape 66"/>
+          <p:cNvPr id="85" name="Shape 85"/>
           <p:cNvSpPr>
             <a:spLocks noGrp="1" noRot="1" noChangeAspect="1"/>
           </p:cNvSpPr>
@@ -646,283 +645,6 @@
       </p:sp>
       <p:sp>
         <p:nvSpPr>
-          <p:cNvPr id="67" name="Shape 67"/>
-          <p:cNvSpPr txBox="1">
-            <a:spLocks noGrp="1"/>
-          </p:cNvSpPr>
-          <p:nvPr>
-            <p:ph type="body" idx="1"/>
-          </p:nvPr>
-        </p:nvSpPr>
-        <p:spPr>
-          <a:xfrm>
-            <a:off x="685800" y="4343400"/>
-            <a:ext cx="5486399" cy="4114800"/>
-          </a:xfrm>
-          <a:prstGeom prst="rect">
-            <a:avLst/>
-          </a:prstGeom>
-        </p:spPr>
-        <p:txBody>
-          <a:bodyPr lIns="91425" tIns="91425" rIns="91425" bIns="91425" anchor="t" anchorCtr="0">
-            <a:noAutofit/>
-          </a:bodyPr>
-          <a:lstStyle/>
-          <a:p>
-            <a:pPr lvl="0">
-              <a:spcBef>
-                <a:spcPts val="0"/>
-              </a:spcBef>
-              <a:buNone/>
-            </a:pPr>
-            <a:r>
-              <a:rPr lang="en"/>
-              <a:t>Section 2.1 &amp; 2.2 in the paper</a:t>
-            </a:r>
-          </a:p>
-          <a:p>
-            <a:pPr lvl="0">
-              <a:spcBef>
-                <a:spcPts val="0"/>
-              </a:spcBef>
-              <a:buNone/>
-            </a:pPr>
-            <a:r>
-              <a:rPr lang="en"/>
-              <a:t>NYSE fees: ~20-30 bps	MtGox: 60bps prevent high-frequency arbitrage</a:t>
-            </a:r>
-          </a:p>
-          <a:p>
-            <a:pPr lvl="0">
-              <a:spcBef>
-                <a:spcPts val="0"/>
-              </a:spcBef>
-              <a:buNone/>
-            </a:pPr>
-            <a:r>
-              <a:rPr lang="en"/>
-              <a:t>V_D: daily volume</a:t>
-            </a:r>
-          </a:p>
-          <a:p>
-            <a:pPr lvl="0">
-              <a:spcBef>
-                <a:spcPts val="0"/>
-              </a:spcBef>
-              <a:buNone/>
-            </a:pPr>
-            <a:r>
-              <a:rPr lang="en"/>
-              <a:t>Sigma: daily volatility</a:t>
-            </a:r>
-          </a:p>
-          <a:p>
-            <a:pPr lvl="0">
-              <a:spcBef>
-                <a:spcPts val="0"/>
-              </a:spcBef>
-              <a:buNone/>
-            </a:pPr>
-            <a:r>
-              <a:rPr lang="en"/>
-              <a:t>Y ratio</a:t>
-            </a:r>
-          </a:p>
-        </p:txBody>
-      </p:sp>
-    </p:spTree>
-  </p:cSld>
-  <p:clrMapOvr>
-    <a:masterClrMapping/>
-  </p:clrMapOvr>
-</p:notes>
-</file>
-
-<file path=ppt/notesSlides/notesSlide3.xml><?xml version="1.0" encoding="utf-8"?>
-<p:notes xmlns:a="http://schemas.openxmlformats.org/drawingml/2006/main" xmlns:r="http://schemas.openxmlformats.org/officeDocument/2006/relationships" xmlns:p="http://schemas.openxmlformats.org/presentationml/2006/main" showMasterSp="0" showMasterPhAnim="0">
-  <p:cSld>
-    <p:spTree>
-      <p:nvGrpSpPr>
-        <p:cNvPr id="1" name="Shape 76"/>
-        <p:cNvGrpSpPr/>
-        <p:nvPr/>
-      </p:nvGrpSpPr>
-      <p:grpSpPr>
-        <a:xfrm>
-          <a:off x="0" y="0"/>
-          <a:ext cx="0" cy="0"/>
-          <a:chOff x="0" y="0"/>
-          <a:chExt cx="0" cy="0"/>
-        </a:xfrm>
-      </p:grpSpPr>
-      <p:sp>
-        <p:nvSpPr>
-          <p:cNvPr id="77" name="Shape 77"/>
-          <p:cNvSpPr>
-            <a:spLocks noGrp="1" noRot="1" noChangeAspect="1"/>
-          </p:cNvSpPr>
-          <p:nvPr>
-            <p:ph type="sldImg" idx="2"/>
-          </p:nvPr>
-        </p:nvSpPr>
-        <p:spPr>
-          <a:xfrm>
-            <a:off x="381000" y="685800"/>
-            <a:ext cx="6096000" cy="3429000"/>
-          </a:xfrm>
-          <a:custGeom>
-            <a:avLst/>
-            <a:gdLst/>
-            <a:ahLst/>
-            <a:cxnLst/>
-            <a:rect l="0" t="0" r="0" b="0"/>
-            <a:pathLst>
-              <a:path w="120000" h="120000" extrusionOk="0">
-                <a:moveTo>
-                  <a:pt x="0" y="0"/>
-                </a:moveTo>
-                <a:lnTo>
-                  <a:pt x="120000" y="0"/>
-                </a:lnTo>
-                <a:lnTo>
-                  <a:pt x="120000" y="120000"/>
-                </a:lnTo>
-                <a:lnTo>
-                  <a:pt x="0" y="120000"/>
-                </a:lnTo>
-                <a:close/>
-              </a:path>
-            </a:pathLst>
-          </a:custGeom>
-        </p:spPr>
-      </p:sp>
-      <p:sp>
-        <p:nvSpPr>
-          <p:cNvPr id="78" name="Shape 78"/>
-          <p:cNvSpPr txBox="1">
-            <a:spLocks noGrp="1"/>
-          </p:cNvSpPr>
-          <p:nvPr>
-            <p:ph type="body" idx="1"/>
-          </p:nvPr>
-        </p:nvSpPr>
-        <p:spPr>
-          <a:xfrm>
-            <a:off x="685800" y="4343400"/>
-            <a:ext cx="5486400" cy="4114800"/>
-          </a:xfrm>
-          <a:prstGeom prst="rect">
-            <a:avLst/>
-          </a:prstGeom>
-        </p:spPr>
-        <p:txBody>
-          <a:bodyPr lIns="91425" tIns="91425" rIns="91425" bIns="91425" anchor="t" anchorCtr="0">
-            <a:noAutofit/>
-          </a:bodyPr>
-          <a:lstStyle/>
-          <a:p>
-            <a:pPr lvl="0">
-              <a:spcBef>
-                <a:spcPts val="0"/>
-              </a:spcBef>
-              <a:buNone/>
-            </a:pPr>
-            <a:r>
-              <a:rPr lang="en"/>
-              <a:t>Section 3.2 in the paper</a:t>
-            </a:r>
-          </a:p>
-          <a:p>
-            <a:pPr lvl="0">
-              <a:spcBef>
-                <a:spcPts val="0"/>
-              </a:spcBef>
-              <a:buNone/>
-            </a:pPr>
-            <a:r>
-              <a:rPr lang="en"/>
-              <a:t>Power-law decay: FGLW (left ⅔ permanent impact); Bouchaud (decay with exponent 3/2)</a:t>
-            </a:r>
-          </a:p>
-          <a:p>
-            <a:pPr lvl="0">
-              <a:spcBef>
-                <a:spcPts val="0"/>
-              </a:spcBef>
-              <a:buNone/>
-            </a:pPr>
-            <a:endParaRPr/>
-          </a:p>
-        </p:txBody>
-      </p:sp>
-    </p:spTree>
-  </p:cSld>
-  <p:clrMapOvr>
-    <a:masterClrMapping/>
-  </p:clrMapOvr>
-</p:notes>
-</file>
-
-<file path=ppt/notesSlides/notesSlide4.xml><?xml version="1.0" encoding="utf-8"?>
-<p:notes xmlns:a="http://schemas.openxmlformats.org/drawingml/2006/main" xmlns:r="http://schemas.openxmlformats.org/officeDocument/2006/relationships" xmlns:p="http://schemas.openxmlformats.org/presentationml/2006/main" showMasterSp="0" showMasterPhAnim="0">
-  <p:cSld>
-    <p:spTree>
-      <p:nvGrpSpPr>
-        <p:cNvPr id="1" name="Shape 84"/>
-        <p:cNvGrpSpPr/>
-        <p:nvPr/>
-      </p:nvGrpSpPr>
-      <p:grpSpPr>
-        <a:xfrm>
-          <a:off x="0" y="0"/>
-          <a:ext cx="0" cy="0"/>
-          <a:chOff x="0" y="0"/>
-          <a:chExt cx="0" cy="0"/>
-        </a:xfrm>
-      </p:grpSpPr>
-      <p:sp>
-        <p:nvSpPr>
-          <p:cNvPr id="85" name="Shape 85"/>
-          <p:cNvSpPr>
-            <a:spLocks noGrp="1" noRot="1" noChangeAspect="1"/>
-          </p:cNvSpPr>
-          <p:nvPr>
-            <p:ph type="sldImg" idx="2"/>
-          </p:nvPr>
-        </p:nvSpPr>
-        <p:spPr>
-          <a:xfrm>
-            <a:off x="381000" y="685800"/>
-            <a:ext cx="6096000" cy="3429000"/>
-          </a:xfrm>
-          <a:custGeom>
-            <a:avLst/>
-            <a:gdLst/>
-            <a:ahLst/>
-            <a:cxnLst/>
-            <a:rect l="0" t="0" r="0" b="0"/>
-            <a:pathLst>
-              <a:path w="120000" h="120000" extrusionOk="0">
-                <a:moveTo>
-                  <a:pt x="0" y="0"/>
-                </a:moveTo>
-                <a:lnTo>
-                  <a:pt x="120000" y="0"/>
-                </a:lnTo>
-                <a:lnTo>
-                  <a:pt x="120000" y="120000"/>
-                </a:lnTo>
-                <a:lnTo>
-                  <a:pt x="0" y="120000"/>
-                </a:lnTo>
-                <a:close/>
-              </a:path>
-            </a:pathLst>
-          </a:custGeom>
-        </p:spPr>
-      </p:sp>
-      <p:sp>
-        <p:nvSpPr>
           <p:cNvPr id="86" name="Shape 86"/>
           <p:cNvSpPr txBox="1">
             <a:spLocks noGrp="1"/>
@@ -1027,7 +749,7 @@
 </p:notes>
 </file>
 
-<file path=ppt/notesSlides/notesSlide5.xml><?xml version="1.0" encoding="utf-8"?>
+<file path=ppt/notesSlides/notesSlide3.xml><?xml version="1.0" encoding="utf-8"?>
 <p:notes xmlns:a="http://schemas.openxmlformats.org/drawingml/2006/main" xmlns:r="http://schemas.openxmlformats.org/officeDocument/2006/relationships" xmlns:p="http://schemas.openxmlformats.org/presentationml/2006/main" showMasterSp="0" showMasterPhAnim="0">
   <p:cSld>
     <p:spTree>
@@ -1152,7 +874,7 @@
 </p:notes>
 </file>
 
-<file path=ppt/notesSlides/notesSlide6.xml><?xml version="1.0" encoding="utf-8"?>
+<file path=ppt/notesSlides/notesSlide4.xml><?xml version="1.0" encoding="utf-8"?>
 <p:notes xmlns:a="http://schemas.openxmlformats.org/drawingml/2006/main" xmlns:r="http://schemas.openxmlformats.org/officeDocument/2006/relationships" xmlns:p="http://schemas.openxmlformats.org/presentationml/2006/main" showMasterSp="0" showMasterPhAnim="0">
   <p:cSld>
     <p:spTree>
@@ -1256,7 +978,7 @@
 </p:notes>
 </file>
 
-<file path=ppt/notesSlides/notesSlide7.xml><?xml version="1.0" encoding="utf-8"?>
+<file path=ppt/notesSlides/notesSlide5.xml><?xml version="1.0" encoding="utf-8"?>
 <p:notes xmlns:a="http://schemas.openxmlformats.org/drawingml/2006/main" xmlns:r="http://schemas.openxmlformats.org/officeDocument/2006/relationships" xmlns:p="http://schemas.openxmlformats.org/presentationml/2006/main" showMasterSp="0" showMasterPhAnim="0">
   <p:cSld>
     <p:spTree>
@@ -5252,8 +4974,8 @@
         </p:nvSpPr>
         <p:spPr>
           <a:xfrm>
-            <a:off x="1680301" y="1188927"/>
-            <a:ext cx="5783400" cy="1457399"/>
+            <a:off x="1527858" y="1408851"/>
+            <a:ext cx="6516547" cy="1457399"/>
           </a:xfrm>
           <a:prstGeom prst="rect">
             <a:avLst/>
@@ -5266,9 +4988,77 @@
           <a:lstStyle/>
           <a:p>
             <a:r>
-              <a:rPr lang="en"/>
-              <a:t>A million metaorder analysis of market impact on the Bitcoin</a:t>
+              <a:rPr lang="en" sz="3800" b="1" dirty="0"/>
+              <a:t>A million </a:t>
             </a:r>
+            <a:r>
+              <a:rPr lang="en" sz="3800" b="1" dirty="0" err="1"/>
+              <a:t>metaorder</a:t>
+            </a:r>
+            <a:r>
+              <a:rPr lang="en" sz="3800" b="1" dirty="0"/>
+              <a:t> analysis of market impact on the </a:t>
+            </a:r>
+            <a:r>
+              <a:rPr lang="en" sz="3800" b="1" dirty="0" smtClean="0"/>
+              <a:t>Bitcoin</a:t>
+            </a:r>
+            <a:r>
+              <a:rPr lang="en-US" b="1" dirty="0" smtClean="0"/>
+              <a:t/>
+            </a:r>
+            <a:br>
+              <a:rPr lang="en-US" b="1" dirty="0" smtClean="0"/>
+            </a:br>
+            <a:r>
+              <a:rPr lang="en-US" altLang="zh-CN" sz="2000" dirty="0" smtClean="0"/>
+              <a:t>J.</a:t>
+            </a:r>
+            <a:r>
+              <a:rPr lang="zh-CN" altLang="en-US" sz="2000" dirty="0" smtClean="0"/>
+              <a:t> </a:t>
+            </a:r>
+            <a:r>
+              <a:rPr lang="en-US" altLang="zh-CN" sz="2000" dirty="0" err="1" smtClean="0"/>
+              <a:t>Donier</a:t>
+            </a:r>
+            <a:r>
+              <a:rPr lang="zh-CN" altLang="en-US" sz="2000" dirty="0" smtClean="0"/>
+              <a:t> </a:t>
+            </a:r>
+            <a:r>
+              <a:rPr lang="en-US" altLang="zh-CN" sz="2000" dirty="0" smtClean="0"/>
+              <a:t>and</a:t>
+            </a:r>
+            <a:r>
+              <a:rPr lang="zh-CN" altLang="en-US" sz="2000" dirty="0" smtClean="0"/>
+              <a:t> </a:t>
+            </a:r>
+            <a:r>
+              <a:rPr lang="en-US" altLang="zh-CN" sz="2000" dirty="0" smtClean="0"/>
+              <a:t>J.</a:t>
+            </a:r>
+            <a:r>
+              <a:rPr lang="zh-CN" altLang="en-US" sz="2000" dirty="0" smtClean="0"/>
+              <a:t> </a:t>
+            </a:r>
+            <a:r>
+              <a:rPr lang="en-US" altLang="zh-CN" sz="2000" dirty="0" err="1" smtClean="0"/>
+              <a:t>Bonart</a:t>
+            </a:r>
+            <a:r>
+              <a:rPr lang="en-US" altLang="zh-CN" sz="2000" dirty="0" smtClean="0"/>
+              <a:t>,</a:t>
+            </a:r>
+            <a:r>
+              <a:rPr lang="zh-CN" altLang="en-US" sz="2000" dirty="0" smtClean="0"/>
+              <a:t> </a:t>
+            </a:r>
+            <a:r>
+              <a:rPr lang="en-US" altLang="zh-CN" sz="2000" dirty="0" smtClean="0"/>
+              <a:t>2015</a:t>
+            </a:r>
+            <a:endParaRPr lang="en" dirty="0"/>
           </a:p>
         </p:txBody>
       </p:sp>
@@ -5284,7 +5074,7 @@
         </p:nvSpPr>
         <p:spPr>
           <a:xfrm>
-            <a:off x="1680301" y="3049450"/>
+            <a:off x="1680301" y="3466148"/>
             <a:ext cx="5783400" cy="909000"/>
           </a:xfrm>
           <a:prstGeom prst="rect">
@@ -5304,494 +5094,6 @@
           </a:p>
         </p:txBody>
       </p:sp>
-    </p:spTree>
-  </p:cSld>
-  <p:clrMapOvr>
-    <a:masterClrMapping/>
-  </p:clrMapOvr>
-  <p:timing>
-    <p:tnLst>
-      <p:par>
-        <p:cTn id="1" dur="indefinite" restart="never" nodeType="tmRoot"/>
-      </p:par>
-    </p:tnLst>
-  </p:timing>
-</p:sld>
-</file>
-
-<file path=ppt/slides/slide2.xml><?xml version="1.0" encoding="utf-8"?>
-<p:sld xmlns:a="http://schemas.openxmlformats.org/drawingml/2006/main" xmlns:r="http://schemas.openxmlformats.org/officeDocument/2006/relationships" xmlns:p="http://schemas.openxmlformats.org/presentationml/2006/main">
-  <p:cSld>
-    <p:spTree>
-      <p:nvGrpSpPr>
-        <p:cNvPr id="1" name="Shape 68"/>
-        <p:cNvGrpSpPr/>
-        <p:nvPr/>
-      </p:nvGrpSpPr>
-      <p:grpSpPr>
-        <a:xfrm>
-          <a:off x="0" y="0"/>
-          <a:ext cx="0" cy="0"/>
-          <a:chOff x="0" y="0"/>
-          <a:chExt cx="0" cy="0"/>
-        </a:xfrm>
-      </p:grpSpPr>
-      <p:sp>
-        <p:nvSpPr>
-          <p:cNvPr id="69" name="Shape 69"/>
-          <p:cNvSpPr txBox="1">
-            <a:spLocks noGrp="1"/>
-          </p:cNvSpPr>
-          <p:nvPr>
-            <p:ph type="title" idx="4294967295"/>
-          </p:nvPr>
-        </p:nvSpPr>
-        <p:spPr>
-          <a:xfrm>
-            <a:off x="311702" y="372501"/>
-            <a:ext cx="8520599" cy="733499"/>
-          </a:xfrm>
-          <a:prstGeom prst="rect">
-            <a:avLst/>
-          </a:prstGeom>
-        </p:spPr>
-        <p:txBody>
-          <a:bodyPr lIns="91425" tIns="91425" rIns="91425" bIns="91425" anchor="b" anchorCtr="0">
-            <a:noAutofit/>
-          </a:bodyPr>
-          <a:lstStyle/>
-          <a:p>
-            <a:r>
-              <a:rPr lang="en"/>
-              <a:t>Data and presenting points</a:t>
-            </a:r>
-          </a:p>
-        </p:txBody>
-      </p:sp>
-      <p:sp>
-        <p:nvSpPr>
-          <p:cNvPr id="70" name="Shape 70"/>
-          <p:cNvSpPr txBox="1">
-            <a:spLocks noGrp="1"/>
-          </p:cNvSpPr>
-          <p:nvPr>
-            <p:ph type="body" idx="4294967295"/>
-          </p:nvPr>
-        </p:nvSpPr>
-        <p:spPr>
-          <a:xfrm>
-            <a:off x="311702" y="1195201"/>
-            <a:ext cx="3853199" cy="524399"/>
-          </a:xfrm>
-          <a:prstGeom prst="rect">
-            <a:avLst/>
-          </a:prstGeom>
-        </p:spPr>
-        <p:txBody>
-          <a:bodyPr lIns="91425" tIns="91425" rIns="91425" bIns="91425" anchor="t" anchorCtr="0">
-            <a:noAutofit/>
-          </a:bodyPr>
-          <a:lstStyle/>
-          <a:p>
-            <a:r>
-              <a:rPr lang="en">
-                <a:solidFill>
-                  <a:schemeClr val="accent5"/>
-                </a:solidFill>
-                <a:latin typeface="Roboto Slab"/>
-                <a:ea typeface="Roboto Slab"/>
-                <a:cs typeface="Roboto Slab"/>
-                <a:sym typeface="Roboto Slab"/>
-              </a:rPr>
-              <a:t>Data</a:t>
-            </a:r>
-          </a:p>
-        </p:txBody>
-      </p:sp>
-      <p:cxnSp>
-        <p:nvCxnSpPr>
-          <p:cNvPr id="71" name="Shape 71"/>
-          <p:cNvCxnSpPr/>
-          <p:nvPr/>
-        </p:nvCxnSpPr>
-        <p:spPr>
-          <a:xfrm>
-            <a:off x="418675" y="1811883"/>
-            <a:ext cx="270900" cy="0"/>
-          </a:xfrm>
-          <a:prstGeom prst="straightConnector1">
-            <a:avLst/>
-          </a:prstGeom>
-          <a:noFill/>
-          <a:ln w="9525" cap="flat" cmpd="sng">
-            <a:solidFill>
-              <a:schemeClr val="lt2"/>
-            </a:solidFill>
-            <a:prstDash val="solid"/>
-            <a:round/>
-            <a:headEnd type="none" w="med" len="med"/>
-            <a:tailEnd type="none" w="med" len="med"/>
-          </a:ln>
-        </p:spPr>
-      </p:cxnSp>
-      <p:sp>
-        <p:nvSpPr>
-          <p:cNvPr id="72" name="Shape 72"/>
-          <p:cNvSpPr txBox="1">
-            <a:spLocks noGrp="1"/>
-          </p:cNvSpPr>
-          <p:nvPr>
-            <p:ph type="body" idx="4294967295"/>
-          </p:nvPr>
-        </p:nvSpPr>
-        <p:spPr>
-          <a:xfrm>
-            <a:off x="311702" y="1916331"/>
-            <a:ext cx="3853199" cy="2753099"/>
-          </a:xfrm>
-          <a:prstGeom prst="rect">
-            <a:avLst/>
-          </a:prstGeom>
-        </p:spPr>
-        <p:txBody>
-          <a:bodyPr lIns="91425" tIns="91425" rIns="91425" bIns="91425" anchor="t" anchorCtr="0">
-            <a:noAutofit/>
-          </a:bodyPr>
-          <a:lstStyle/>
-          <a:p>
-            <a:pPr marL="285744" indent="-285744">
-              <a:buFont typeface="Arial" charset="0"/>
-              <a:buChar char="•"/>
-            </a:pPr>
-            <a:r>
-              <a:rPr lang="en" sz="1400" dirty="0">
-                <a:latin typeface="Arial"/>
-                <a:ea typeface="Arial"/>
-                <a:cs typeface="Arial"/>
-                <a:sym typeface="Arial"/>
-              </a:rPr>
-              <a:t>Anonymous source: 13~14M trades with 1M uniquely </a:t>
-            </a:r>
-            <a:r>
-              <a:rPr lang="en" sz="1400" dirty="0" smtClean="0">
-                <a:latin typeface="Arial"/>
-                <a:ea typeface="Arial"/>
-                <a:cs typeface="Arial"/>
-                <a:sym typeface="Arial"/>
-              </a:rPr>
-              <a:t>identified</a:t>
-            </a:r>
-            <a:r>
-              <a:rPr lang="zh-CN" altLang="en-US" sz="1400" dirty="0" smtClean="0">
-                <a:latin typeface="Arial"/>
-                <a:ea typeface="Arial"/>
-                <a:cs typeface="Arial"/>
-                <a:sym typeface="Arial"/>
-              </a:rPr>
-              <a:t> </a:t>
-            </a:r>
-            <a:r>
-              <a:rPr lang="en-US" altLang="zh-CN" sz="1400" dirty="0" smtClean="0">
-                <a:latin typeface="Arial"/>
-                <a:ea typeface="Arial"/>
-                <a:cs typeface="Arial"/>
-                <a:sym typeface="Arial"/>
-              </a:rPr>
-              <a:t>(08/2011-11/2013)</a:t>
-            </a:r>
-            <a:endParaRPr lang="en" sz="1400" dirty="0">
-              <a:latin typeface="Arial"/>
-              <a:ea typeface="Arial"/>
-              <a:cs typeface="Arial"/>
-              <a:sym typeface="Arial"/>
-            </a:endParaRPr>
-          </a:p>
-          <a:p>
-            <a:pPr marL="285744" indent="-285744">
-              <a:buFont typeface="Arial" charset="0"/>
-              <a:buChar char="•"/>
-            </a:pPr>
-            <a:r>
-              <a:rPr lang="en" sz="1400" dirty="0" err="1">
-                <a:latin typeface="Arial"/>
-                <a:ea typeface="Arial"/>
-                <a:cs typeface="Arial"/>
-                <a:sym typeface="Arial"/>
-              </a:rPr>
-              <a:t>MtGox</a:t>
-            </a:r>
-            <a:r>
-              <a:rPr lang="en" sz="1400" dirty="0">
-                <a:latin typeface="Arial"/>
-                <a:ea typeface="Arial"/>
-                <a:cs typeface="Arial"/>
-                <a:sym typeface="Arial"/>
-              </a:rPr>
-              <a:t>: 0.6% (60bps) fees per transaction</a:t>
-            </a:r>
-          </a:p>
-          <a:p>
-            <a:pPr marL="285744" indent="-285744">
-              <a:buFont typeface="Arial" charset="0"/>
-              <a:buChar char="•"/>
-            </a:pPr>
-            <a:r>
-              <a:rPr lang="en" sz="1400" dirty="0">
-                <a:latin typeface="Arial"/>
-                <a:ea typeface="Arial"/>
-                <a:cs typeface="Arial"/>
-                <a:sym typeface="Arial"/>
-              </a:rPr>
-              <a:t>Claim: Largest and complete market on Bitcoin so far → Pseudo-</a:t>
-            </a:r>
-            <a:r>
-              <a:rPr lang="en" sz="1400" dirty="0" err="1">
-                <a:latin typeface="Arial"/>
-                <a:ea typeface="Arial"/>
-                <a:cs typeface="Arial"/>
-                <a:sym typeface="Arial"/>
-              </a:rPr>
-              <a:t>ramdom</a:t>
-            </a:r>
-            <a:r>
-              <a:rPr lang="en" sz="1400" dirty="0">
-                <a:latin typeface="Arial"/>
-                <a:ea typeface="Arial"/>
-                <a:cs typeface="Arial"/>
-                <a:sym typeface="Arial"/>
-              </a:rPr>
-              <a:t> </a:t>
-            </a:r>
-            <a:r>
-              <a:rPr lang="en" sz="1400" dirty="0" err="1">
-                <a:latin typeface="Arial"/>
-                <a:ea typeface="Arial"/>
-                <a:cs typeface="Arial"/>
-                <a:sym typeface="Arial"/>
-              </a:rPr>
-              <a:t>metaorders</a:t>
-            </a:r>
-            <a:r>
-              <a:rPr lang="en" sz="1400" dirty="0">
-                <a:latin typeface="Arial"/>
-                <a:ea typeface="Arial"/>
-                <a:cs typeface="Arial"/>
-                <a:sym typeface="Arial"/>
-              </a:rPr>
-              <a:t> (uncorrelated from the residual order flow) </a:t>
-            </a:r>
-          </a:p>
-        </p:txBody>
-      </p:sp>
-      <p:sp>
-        <p:nvSpPr>
-          <p:cNvPr id="73" name="Shape 73"/>
-          <p:cNvSpPr txBox="1">
-            <a:spLocks noGrp="1"/>
-          </p:cNvSpPr>
-          <p:nvPr>
-            <p:ph type="body" idx="4294967295"/>
-          </p:nvPr>
-        </p:nvSpPr>
-        <p:spPr>
-          <a:xfrm>
-            <a:off x="4905751" y="1201620"/>
-            <a:ext cx="3853199" cy="524399"/>
-          </a:xfrm>
-          <a:prstGeom prst="rect">
-            <a:avLst/>
-          </a:prstGeom>
-        </p:spPr>
-        <p:txBody>
-          <a:bodyPr lIns="91425" tIns="91425" rIns="91425" bIns="91425" anchor="t" anchorCtr="0">
-            <a:noAutofit/>
-          </a:bodyPr>
-          <a:lstStyle/>
-          <a:p>
-            <a:r>
-              <a:rPr lang="en">
-                <a:solidFill>
-                  <a:schemeClr val="accent5"/>
-                </a:solidFill>
-                <a:latin typeface="Roboto Slab"/>
-                <a:ea typeface="Roboto Slab"/>
-                <a:cs typeface="Roboto Slab"/>
-                <a:sym typeface="Roboto Slab"/>
-              </a:rPr>
-              <a:t>Points</a:t>
-            </a:r>
-          </a:p>
-        </p:txBody>
-      </p:sp>
-      <p:cxnSp>
-        <p:nvCxnSpPr>
-          <p:cNvPr id="74" name="Shape 74"/>
-          <p:cNvCxnSpPr/>
-          <p:nvPr/>
-        </p:nvCxnSpPr>
-        <p:spPr>
-          <a:xfrm>
-            <a:off x="5012726" y="1811883"/>
-            <a:ext cx="270900" cy="0"/>
-          </a:xfrm>
-          <a:prstGeom prst="straightConnector1">
-            <a:avLst/>
-          </a:prstGeom>
-          <a:noFill/>
-          <a:ln w="9525" cap="flat" cmpd="sng">
-            <a:solidFill>
-              <a:schemeClr val="lt2"/>
-            </a:solidFill>
-            <a:prstDash val="solid"/>
-            <a:round/>
-            <a:headEnd type="none" w="med" len="med"/>
-            <a:tailEnd type="none" w="med" len="med"/>
-          </a:ln>
-        </p:spPr>
-      </p:cxnSp>
-      <p:sp>
-        <p:nvSpPr>
-          <p:cNvPr id="75" name="Shape 75"/>
-          <p:cNvSpPr txBox="1">
-            <a:spLocks noGrp="1"/>
-          </p:cNvSpPr>
-          <p:nvPr>
-            <p:ph type="body" idx="4294967295"/>
-          </p:nvPr>
-        </p:nvSpPr>
-        <p:spPr>
-          <a:xfrm>
-            <a:off x="4805916" y="1840131"/>
-            <a:ext cx="3953035" cy="2753100"/>
-          </a:xfrm>
-          <a:prstGeom prst="rect">
-            <a:avLst/>
-          </a:prstGeom>
-        </p:spPr>
-        <p:txBody>
-          <a:bodyPr lIns="91425" tIns="91425" rIns="91425" bIns="91425" anchor="t" anchorCtr="0">
-            <a:noAutofit/>
-          </a:bodyPr>
-          <a:lstStyle/>
-          <a:p>
-            <a:pPr marL="457189" indent="-317492">
-              <a:lnSpc>
-                <a:spcPct val="100000"/>
-              </a:lnSpc>
-              <a:buFont typeface="Arial" charset="0"/>
-              <a:buChar char="•"/>
-            </a:pPr>
-            <a:r>
-              <a:rPr lang="en" sz="1400" dirty="0">
-                <a:latin typeface="Arial"/>
-                <a:ea typeface="Arial"/>
-                <a:cs typeface="Arial"/>
-                <a:sym typeface="Arial"/>
-              </a:rPr>
-              <a:t>Long-term power-law decay?</a:t>
-            </a:r>
-          </a:p>
-          <a:p>
-            <a:pPr marL="285744" indent="-285744">
-              <a:lnSpc>
-                <a:spcPct val="100000"/>
-              </a:lnSpc>
-              <a:buFont typeface="Arial" charset="0"/>
-              <a:buChar char="•"/>
-            </a:pPr>
-            <a:endParaRPr sz="1400" dirty="0">
-              <a:latin typeface="Arial"/>
-              <a:ea typeface="Arial"/>
-              <a:cs typeface="Arial"/>
-              <a:sym typeface="Arial"/>
-            </a:endParaRPr>
-          </a:p>
-          <a:p>
-            <a:pPr marL="457189" indent="-317492">
-              <a:lnSpc>
-                <a:spcPct val="100000"/>
-              </a:lnSpc>
-              <a:buFont typeface="Arial" charset="0"/>
-              <a:buChar char="•"/>
-            </a:pPr>
-            <a:r>
-              <a:rPr lang="en" sz="1400" dirty="0">
-                <a:latin typeface="Arial"/>
-                <a:ea typeface="Arial"/>
-                <a:cs typeface="Arial"/>
-                <a:sym typeface="Arial"/>
-              </a:rPr>
-              <a:t>Square-root law?</a:t>
-            </a:r>
-          </a:p>
-          <a:p>
-            <a:pPr marL="285744" indent="-285744">
-              <a:lnSpc>
-                <a:spcPct val="100000"/>
-              </a:lnSpc>
-              <a:buFont typeface="Arial" charset="0"/>
-              <a:buChar char="•"/>
-            </a:pPr>
-            <a:endParaRPr sz="1400" dirty="0">
-              <a:latin typeface="Arial"/>
-              <a:ea typeface="Arial"/>
-              <a:cs typeface="Arial"/>
-              <a:sym typeface="Arial"/>
-            </a:endParaRPr>
-          </a:p>
-          <a:p>
-            <a:pPr marL="457189" indent="-317492">
-              <a:lnSpc>
-                <a:spcPct val="100000"/>
-              </a:lnSpc>
-              <a:buFont typeface="Arial" charset="0"/>
-              <a:buChar char="•"/>
-            </a:pPr>
-            <a:r>
-              <a:rPr lang="en" sz="1400" dirty="0">
-                <a:latin typeface="Arial"/>
-                <a:ea typeface="Arial"/>
-                <a:cs typeface="Arial"/>
-                <a:sym typeface="Arial"/>
-              </a:rPr>
-              <a:t>Y-ratio</a:t>
-            </a:r>
-          </a:p>
-          <a:p>
-            <a:pPr marL="285744" indent="-285744">
-              <a:lnSpc>
-                <a:spcPct val="100000"/>
-              </a:lnSpc>
-              <a:buFont typeface="Arial" charset="0"/>
-              <a:buChar char="•"/>
-            </a:pPr>
-            <a:endParaRPr sz="1400" dirty="0">
-              <a:latin typeface="Arial"/>
-              <a:ea typeface="Arial"/>
-              <a:cs typeface="Arial"/>
-              <a:sym typeface="Arial"/>
-            </a:endParaRPr>
-          </a:p>
-          <a:p>
-            <a:pPr marL="457189" indent="-317492">
-              <a:lnSpc>
-                <a:spcPct val="100000"/>
-              </a:lnSpc>
-              <a:buFont typeface="Arial" charset="0"/>
-              <a:buChar char="•"/>
-            </a:pPr>
-            <a:r>
-              <a:rPr lang="en" sz="1400" dirty="0">
-                <a:latin typeface="Arial"/>
-                <a:ea typeface="Arial"/>
-                <a:cs typeface="Arial"/>
-                <a:sym typeface="Arial"/>
-              </a:rPr>
-              <a:t>Permanent impact?</a:t>
-            </a:r>
-          </a:p>
-        </p:txBody>
-      </p:sp>
       <p:sp>
         <p:nvSpPr>
           <p:cNvPr id="2" name="TextBox 1"/>
@@ -5800,7 +5102,7 @@
         </p:nvSpPr>
         <p:spPr>
           <a:xfrm>
-            <a:off x="8516679" y="2881423"/>
+            <a:off x="9814560" y="2438400"/>
             <a:ext cx="184731" cy="307777"/>
           </a:xfrm>
           <a:prstGeom prst="rect">
@@ -5833,12 +5135,12 @@
 </p:sld>
 </file>
 
-<file path=ppt/slides/slide3.xml><?xml version="1.0" encoding="utf-8"?>
+<file path=ppt/slides/slide2.xml><?xml version="1.0" encoding="utf-8"?>
 <p:sld xmlns:a="http://schemas.openxmlformats.org/drawingml/2006/main" xmlns:r="http://schemas.openxmlformats.org/officeDocument/2006/relationships" xmlns:p="http://schemas.openxmlformats.org/presentationml/2006/main">
   <p:cSld>
     <p:spTree>
       <p:nvGrpSpPr>
-        <p:cNvPr id="1" name="Shape 79"/>
+        <p:cNvPr id="1" name=""/>
         <p:cNvGrpSpPr/>
         <p:nvPr/>
       </p:nvGrpSpPr>
@@ -5852,143 +5154,272 @@
       </p:grpSpPr>
       <p:sp>
         <p:nvSpPr>
-          <p:cNvPr id="80" name="Shape 80"/>
+          <p:cNvPr id="8" name="Shape 80"/>
           <p:cNvSpPr txBox="1">
-            <a:spLocks noGrp="1"/>
+            <a:spLocks/>
           </p:cNvSpPr>
-          <p:nvPr>
-            <p:ph type="title"/>
-          </p:nvPr>
+          <p:nvPr/>
         </p:nvSpPr>
         <p:spPr>
           <a:xfrm>
-            <a:off x="387900" y="458025"/>
-            <a:ext cx="8368200" cy="686100"/>
+            <a:off x="5208604" y="0"/>
+            <a:ext cx="3819645" cy="686100"/>
           </a:xfrm>
           <a:prstGeom prst="rect">
             <a:avLst/>
           </a:prstGeom>
+          <a:noFill/>
+          <a:ln>
+            <a:noFill/>
+          </a:ln>
         </p:spPr>
         <p:txBody>
           <a:bodyPr lIns="91425" tIns="91425" rIns="91425" bIns="91425" anchor="b" anchorCtr="0">
             <a:noAutofit/>
           </a:bodyPr>
-          <a:lstStyle/>
+          <a:lstStyle>
+            <a:defPPr marR="0" lvl="0" algn="l" rtl="0">
+              <a:lnSpc>
+                <a:spcPct val="100000"/>
+              </a:lnSpc>
+              <a:spcBef>
+                <a:spcPts val="0"/>
+              </a:spcBef>
+              <a:spcAft>
+                <a:spcPts val="0"/>
+              </a:spcAft>
+            </a:defPPr>
+            <a:lvl1pPr marR="0" lvl="0" algn="l" rtl="0">
+              <a:lnSpc>
+                <a:spcPct val="100000"/>
+              </a:lnSpc>
+              <a:spcBef>
+                <a:spcPts val="0"/>
+              </a:spcBef>
+              <a:spcAft>
+                <a:spcPts val="0"/>
+              </a:spcAft>
+              <a:buClr>
+                <a:schemeClr val="dk1"/>
+              </a:buClr>
+              <a:buSzPct val="100000"/>
+              <a:buFont typeface="Roboto Slab"/>
+              <a:buNone/>
+              <a:defRPr sz="3000" b="0" i="0" u="none" strike="noStrike" cap="none">
+                <a:solidFill>
+                  <a:schemeClr val="dk1"/>
+                </a:solidFill>
+                <a:latin typeface="Roboto Slab"/>
+                <a:ea typeface="Roboto Slab"/>
+                <a:cs typeface="Roboto Slab"/>
+                <a:sym typeface="Roboto Slab"/>
+              </a:defRPr>
+            </a:lvl1pPr>
+            <a:lvl2pPr lvl="1">
+              <a:spcBef>
+                <a:spcPts val="0"/>
+              </a:spcBef>
+              <a:buClr>
+                <a:schemeClr val="dk1"/>
+              </a:buClr>
+              <a:buSzPct val="100000"/>
+              <a:buFont typeface="Roboto Slab"/>
+              <a:buNone/>
+              <a:defRPr sz="3000">
+                <a:solidFill>
+                  <a:schemeClr val="dk1"/>
+                </a:solidFill>
+                <a:latin typeface="Roboto Slab"/>
+                <a:ea typeface="Roboto Slab"/>
+                <a:cs typeface="Roboto Slab"/>
+                <a:sym typeface="Roboto Slab"/>
+              </a:defRPr>
+            </a:lvl2pPr>
+            <a:lvl3pPr lvl="2">
+              <a:spcBef>
+                <a:spcPts val="0"/>
+              </a:spcBef>
+              <a:buClr>
+                <a:schemeClr val="dk1"/>
+              </a:buClr>
+              <a:buSzPct val="100000"/>
+              <a:buFont typeface="Roboto Slab"/>
+              <a:buNone/>
+              <a:defRPr sz="3000">
+                <a:solidFill>
+                  <a:schemeClr val="dk1"/>
+                </a:solidFill>
+                <a:latin typeface="Roboto Slab"/>
+                <a:ea typeface="Roboto Slab"/>
+                <a:cs typeface="Roboto Slab"/>
+                <a:sym typeface="Roboto Slab"/>
+              </a:defRPr>
+            </a:lvl3pPr>
+            <a:lvl4pPr lvl="3">
+              <a:spcBef>
+                <a:spcPts val="0"/>
+              </a:spcBef>
+              <a:buClr>
+                <a:schemeClr val="dk1"/>
+              </a:buClr>
+              <a:buSzPct val="100000"/>
+              <a:buFont typeface="Roboto Slab"/>
+              <a:buNone/>
+              <a:defRPr sz="3000">
+                <a:solidFill>
+                  <a:schemeClr val="dk1"/>
+                </a:solidFill>
+                <a:latin typeface="Roboto Slab"/>
+                <a:ea typeface="Roboto Slab"/>
+                <a:cs typeface="Roboto Slab"/>
+                <a:sym typeface="Roboto Slab"/>
+              </a:defRPr>
+            </a:lvl4pPr>
+            <a:lvl5pPr lvl="4">
+              <a:spcBef>
+                <a:spcPts val="0"/>
+              </a:spcBef>
+              <a:buClr>
+                <a:schemeClr val="dk1"/>
+              </a:buClr>
+              <a:buSzPct val="100000"/>
+              <a:buFont typeface="Roboto Slab"/>
+              <a:buNone/>
+              <a:defRPr sz="3000">
+                <a:solidFill>
+                  <a:schemeClr val="dk1"/>
+                </a:solidFill>
+                <a:latin typeface="Roboto Slab"/>
+                <a:ea typeface="Roboto Slab"/>
+                <a:cs typeface="Roboto Slab"/>
+                <a:sym typeface="Roboto Slab"/>
+              </a:defRPr>
+            </a:lvl5pPr>
+            <a:lvl6pPr lvl="5">
+              <a:spcBef>
+                <a:spcPts val="0"/>
+              </a:spcBef>
+              <a:buClr>
+                <a:schemeClr val="dk1"/>
+              </a:buClr>
+              <a:buSzPct val="100000"/>
+              <a:buFont typeface="Roboto Slab"/>
+              <a:buNone/>
+              <a:defRPr sz="3000">
+                <a:solidFill>
+                  <a:schemeClr val="dk1"/>
+                </a:solidFill>
+                <a:latin typeface="Roboto Slab"/>
+                <a:ea typeface="Roboto Slab"/>
+                <a:cs typeface="Roboto Slab"/>
+                <a:sym typeface="Roboto Slab"/>
+              </a:defRPr>
+            </a:lvl6pPr>
+            <a:lvl7pPr lvl="6">
+              <a:spcBef>
+                <a:spcPts val="0"/>
+              </a:spcBef>
+              <a:buClr>
+                <a:schemeClr val="dk1"/>
+              </a:buClr>
+              <a:buSzPct val="100000"/>
+              <a:buFont typeface="Roboto Slab"/>
+              <a:buNone/>
+              <a:defRPr sz="3000">
+                <a:solidFill>
+                  <a:schemeClr val="dk1"/>
+                </a:solidFill>
+                <a:latin typeface="Roboto Slab"/>
+                <a:ea typeface="Roboto Slab"/>
+                <a:cs typeface="Roboto Slab"/>
+                <a:sym typeface="Roboto Slab"/>
+              </a:defRPr>
+            </a:lvl7pPr>
+            <a:lvl8pPr lvl="7">
+              <a:spcBef>
+                <a:spcPts val="0"/>
+              </a:spcBef>
+              <a:buClr>
+                <a:schemeClr val="dk1"/>
+              </a:buClr>
+              <a:buSzPct val="100000"/>
+              <a:buFont typeface="Roboto Slab"/>
+              <a:buNone/>
+              <a:defRPr sz="3000">
+                <a:solidFill>
+                  <a:schemeClr val="dk1"/>
+                </a:solidFill>
+                <a:latin typeface="Roboto Slab"/>
+                <a:ea typeface="Roboto Slab"/>
+                <a:cs typeface="Roboto Slab"/>
+                <a:sym typeface="Roboto Slab"/>
+              </a:defRPr>
+            </a:lvl8pPr>
+            <a:lvl9pPr lvl="8">
+              <a:spcBef>
+                <a:spcPts val="0"/>
+              </a:spcBef>
+              <a:buClr>
+                <a:schemeClr val="dk1"/>
+              </a:buClr>
+              <a:buSzPct val="100000"/>
+              <a:buFont typeface="Roboto Slab"/>
+              <a:buNone/>
+              <a:defRPr sz="3000">
+                <a:solidFill>
+                  <a:schemeClr val="dk1"/>
+                </a:solidFill>
+                <a:latin typeface="Roboto Slab"/>
+                <a:ea typeface="Roboto Slab"/>
+                <a:cs typeface="Roboto Slab"/>
+                <a:sym typeface="Roboto Slab"/>
+              </a:defRPr>
+            </a:lvl9pPr>
+          </a:lstStyle>
           <a:p>
             <a:r>
-              <a:rPr lang="en" dirty="0"/>
+              <a:rPr lang="zh-CN" altLang="en-US" b="1" dirty="0" smtClean="0"/>
+              <a:t>                                              </a:t>
+            </a:r>
+            <a:r>
+              <a:rPr lang="en" b="1" dirty="0" smtClean="0"/>
               <a:t>Power-law decay?</a:t>
             </a:r>
-          </a:p>
-        </p:txBody>
-      </p:sp>
-      <p:sp>
-        <p:nvSpPr>
-          <p:cNvPr id="81" name="Shape 81"/>
-          <p:cNvSpPr txBox="1">
-            <a:spLocks noGrp="1"/>
-          </p:cNvSpPr>
-          <p:nvPr>
-            <p:ph type="body" idx="1"/>
-          </p:nvPr>
-        </p:nvSpPr>
-        <p:spPr>
-          <a:xfrm>
-            <a:off x="127593" y="1489825"/>
-            <a:ext cx="3621959" cy="3078900"/>
-          </a:xfrm>
-          <a:prstGeom prst="rect">
-            <a:avLst/>
-          </a:prstGeom>
-        </p:spPr>
-        <p:txBody>
-          <a:bodyPr lIns="91425" tIns="91425" rIns="91425" bIns="91425" anchor="t" anchorCtr="0">
-            <a:noAutofit/>
-          </a:bodyPr>
-          <a:lstStyle/>
-          <a:p>
-            <a:pPr marL="514338" indent="-285744">
-              <a:buFont typeface="Arial" charset="0"/>
-              <a:buChar char="•"/>
-            </a:pPr>
-            <a:r>
-              <a:rPr lang="en" dirty="0">
-                <a:latin typeface="Arial"/>
-                <a:ea typeface="Arial"/>
-                <a:cs typeface="Arial"/>
-                <a:sym typeface="Arial"/>
-              </a:rPr>
-              <a:t>Clearly, </a:t>
-            </a:r>
-            <a:r>
-              <a:rPr lang="en" dirty="0" err="1">
-                <a:latin typeface="Arial"/>
-                <a:ea typeface="Arial"/>
-                <a:cs typeface="Arial"/>
-                <a:sym typeface="Arial"/>
-              </a:rPr>
-              <a:t>Metaorder</a:t>
-            </a:r>
-            <a:r>
-              <a:rPr lang="en" dirty="0">
-                <a:latin typeface="Arial"/>
-                <a:ea typeface="Arial"/>
-                <a:cs typeface="Arial"/>
-                <a:sym typeface="Arial"/>
-              </a:rPr>
-              <a:t> size/duration/participation rate are not power-law decay (FGLW or </a:t>
-            </a:r>
-            <a:r>
-              <a:rPr lang="en" dirty="0" err="1">
-                <a:latin typeface="Arial"/>
-                <a:ea typeface="Arial"/>
-                <a:cs typeface="Arial"/>
-                <a:sym typeface="Arial"/>
-              </a:rPr>
-              <a:t>Bouchaud</a:t>
-            </a:r>
-            <a:r>
-              <a:rPr lang="en" dirty="0">
-                <a:latin typeface="Arial"/>
-                <a:ea typeface="Arial"/>
-                <a:cs typeface="Arial"/>
-                <a:sym typeface="Arial"/>
-              </a:rPr>
-              <a:t>)</a:t>
-            </a:r>
-          </a:p>
-          <a:p>
-            <a:pPr marL="285744" indent="-285744">
-              <a:buFont typeface="Arial" charset="0"/>
-              <a:buChar char="•"/>
-            </a:pPr>
-            <a:endParaRPr dirty="0">
-              <a:latin typeface="Arial"/>
-              <a:ea typeface="Arial"/>
-              <a:cs typeface="Arial"/>
-              <a:sym typeface="Arial"/>
-            </a:endParaRPr>
-          </a:p>
-          <a:p>
-            <a:pPr marL="514338" indent="-285744">
-              <a:buFont typeface="Arial" charset="0"/>
-              <a:buChar char="•"/>
-            </a:pPr>
-            <a:r>
-              <a:rPr lang="en" dirty="0">
-                <a:latin typeface="Arial"/>
-                <a:ea typeface="Arial"/>
-                <a:cs typeface="Arial"/>
-                <a:sym typeface="Arial"/>
-              </a:rPr>
-              <a:t>Execution speed is constant</a:t>
-            </a:r>
+            <a:endParaRPr lang="en" b="1" dirty="0"/>
           </a:p>
         </p:txBody>
       </p:sp>
       <p:pic>
         <p:nvPicPr>
-          <p:cNvPr id="82" name="Shape 82"/>
+          <p:cNvPr id="10" name="Shape 82"/>
+          <p:cNvPicPr preferRelativeResize="0"/>
+          <p:nvPr/>
+        </p:nvPicPr>
+        <p:blipFill>
+          <a:blip r:embed="rId2">
+            <a:alphaModFix/>
+          </a:blip>
+          <a:stretch>
+            <a:fillRect/>
+          </a:stretch>
+        </p:blipFill>
+        <p:spPr>
+          <a:xfrm>
+            <a:off x="5324354" y="1875100"/>
+            <a:ext cx="3819645" cy="3268399"/>
+          </a:xfrm>
+          <a:prstGeom prst="rect">
+            <a:avLst/>
+          </a:prstGeom>
+          <a:noFill/>
+          <a:ln>
+            <a:noFill/>
+          </a:ln>
+        </p:spPr>
+      </p:pic>
+      <p:pic>
+        <p:nvPicPr>
+          <p:cNvPr id="11" name="Shape 83"/>
           <p:cNvPicPr preferRelativeResize="0"/>
           <p:nvPr/>
         </p:nvPicPr>
@@ -6002,8 +5433,8 @@
         </p:blipFill>
         <p:spPr>
           <a:xfrm>
-            <a:off x="3807152" y="1144124"/>
-            <a:ext cx="5336848" cy="3999375"/>
+            <a:off x="2893670" y="3773347"/>
+            <a:ext cx="2430683" cy="1370153"/>
           </a:xfrm>
           <a:prstGeom prst="rect">
             <a:avLst/>
@@ -6016,22 +5447,275 @@
       </p:pic>
       <p:pic>
         <p:nvPicPr>
-          <p:cNvPr id="83" name="Shape 83"/>
-          <p:cNvPicPr preferRelativeResize="0"/>
+          <p:cNvPr id="13" name="Picture 12"/>
+          <p:cNvPicPr>
+            <a:picLocks noChangeAspect="1"/>
+          </p:cNvPicPr>
           <p:nvPr/>
         </p:nvPicPr>
         <p:blipFill>
-          <a:blip r:embed="rId4">
-            <a:alphaModFix/>
-          </a:blip>
+          <a:blip r:embed="rId4"/>
           <a:stretch>
             <a:fillRect/>
           </a:stretch>
         </p:blipFill>
         <p:spPr>
           <a:xfrm>
-            <a:off x="4153201" y="1"/>
-            <a:ext cx="4990801" cy="2741525"/>
+            <a:off x="4959900" y="746264"/>
+            <a:ext cx="3619500" cy="1257300"/>
+          </a:xfrm>
+          <a:prstGeom prst="rect">
+            <a:avLst/>
+          </a:prstGeom>
+        </p:spPr>
+      </p:pic>
+      <p:sp>
+        <p:nvSpPr>
+          <p:cNvPr id="14" name="Rectangle 13"/>
+          <p:cNvSpPr/>
+          <p:nvPr/>
+        </p:nvSpPr>
+        <p:spPr>
+          <a:xfrm>
+            <a:off x="69450" y="636250"/>
+            <a:ext cx="4572000" cy="1477328"/>
+          </a:xfrm>
+          <a:prstGeom prst="rect">
+            <a:avLst/>
+          </a:prstGeom>
+        </p:spPr>
+        <p:txBody>
+          <a:bodyPr>
+            <a:spAutoFit/>
+          </a:bodyPr>
+          <a:lstStyle/>
+          <a:p>
+            <a:pPr marL="285750" indent="-285750">
+              <a:buFont typeface="Arial" charset="0"/>
+              <a:buChar char="•"/>
+            </a:pPr>
+            <a:r>
+              <a:rPr lang="en" sz="1800" dirty="0">
+                <a:solidFill>
+                  <a:schemeClr val="dk1"/>
+                </a:solidFill>
+              </a:rPr>
+              <a:t>Anonymous source: 13~14M trades with 1M uniquely identified</a:t>
+            </a:r>
+            <a:r>
+              <a:rPr lang="zh-CN" altLang="en-US" sz="1800" dirty="0">
+                <a:solidFill>
+                  <a:schemeClr val="dk1"/>
+                </a:solidFill>
+              </a:rPr>
+              <a:t> </a:t>
+            </a:r>
+            <a:r>
+              <a:rPr lang="en-US" altLang="zh-CN" sz="1800" dirty="0">
+                <a:solidFill>
+                  <a:schemeClr val="dk1"/>
+                </a:solidFill>
+              </a:rPr>
+              <a:t>(08/2011-11/2013</a:t>
+            </a:r>
+            <a:r>
+              <a:rPr lang="en-US" altLang="zh-CN" sz="1800" dirty="0" smtClean="0">
+                <a:solidFill>
+                  <a:schemeClr val="dk1"/>
+                </a:solidFill>
+              </a:rPr>
+              <a:t>)</a:t>
+            </a:r>
+          </a:p>
+          <a:p>
+            <a:pPr marL="285750" indent="-285750">
+              <a:buFont typeface="Arial" charset="0"/>
+              <a:buChar char="•"/>
+            </a:pPr>
+            <a:endParaRPr lang="en" sz="1800" dirty="0">
+              <a:solidFill>
+                <a:schemeClr val="dk1"/>
+              </a:solidFill>
+            </a:endParaRPr>
+          </a:p>
+          <a:p>
+            <a:pPr marL="285750" indent="-285750">
+              <a:buFont typeface="Arial" charset="0"/>
+              <a:buChar char="•"/>
+            </a:pPr>
+            <a:r>
+              <a:rPr lang="en" sz="1800" dirty="0">
+                <a:solidFill>
+                  <a:schemeClr val="dk1"/>
+                </a:solidFill>
+              </a:rPr>
+              <a:t>Claim: Largest and complete market on Bitcoin so </a:t>
+            </a:r>
+            <a:r>
+              <a:rPr lang="en" sz="1800" dirty="0" smtClean="0">
+                <a:solidFill>
+                  <a:schemeClr val="dk1"/>
+                </a:solidFill>
+              </a:rPr>
+              <a:t>far</a:t>
+            </a:r>
+            <a:endParaRPr lang="en-US" sz="1800" dirty="0" smtClean="0">
+              <a:solidFill>
+                <a:schemeClr val="dk1"/>
+              </a:solidFill>
+            </a:endParaRPr>
+          </a:p>
+        </p:txBody>
+      </p:sp>
+      <p:sp>
+        <p:nvSpPr>
+          <p:cNvPr id="15" name="Rectangle 14"/>
+          <p:cNvSpPr/>
+          <p:nvPr/>
+        </p:nvSpPr>
+        <p:spPr>
+          <a:xfrm>
+            <a:off x="-57876" y="2630731"/>
+            <a:ext cx="4572000" cy="1815882"/>
+          </a:xfrm>
+          <a:prstGeom prst="rect">
+            <a:avLst/>
+          </a:prstGeom>
+        </p:spPr>
+        <p:txBody>
+          <a:bodyPr>
+            <a:spAutoFit/>
+          </a:bodyPr>
+          <a:lstStyle/>
+          <a:p>
+            <a:pPr marL="457189" lvl="0" indent="-317492">
+              <a:spcAft>
+                <a:spcPts val="1600"/>
+              </a:spcAft>
+              <a:buClr>
+                <a:srgbClr val="FFFFFF"/>
+              </a:buClr>
+              <a:buSzPct val="100000"/>
+              <a:buFont typeface="Arial" charset="0"/>
+              <a:buChar char="•"/>
+            </a:pPr>
+            <a:r>
+              <a:rPr lang="en" sz="1800" dirty="0">
+                <a:solidFill>
+                  <a:srgbClr val="FFFFFF"/>
+                </a:solidFill>
+              </a:rPr>
+              <a:t>Long-term power-law decay</a:t>
+            </a:r>
+            <a:r>
+              <a:rPr lang="en" sz="1800" dirty="0" smtClean="0">
+                <a:solidFill>
+                  <a:srgbClr val="FFFFFF"/>
+                </a:solidFill>
+              </a:rPr>
+              <a:t>?</a:t>
+            </a:r>
+            <a:endParaRPr lang="en" sz="1800" dirty="0">
+              <a:solidFill>
+                <a:srgbClr val="FFFFFF"/>
+              </a:solidFill>
+            </a:endParaRPr>
+          </a:p>
+          <a:p>
+            <a:pPr marL="457189" lvl="0" indent="-317492">
+              <a:spcAft>
+                <a:spcPts val="1600"/>
+              </a:spcAft>
+              <a:buClr>
+                <a:srgbClr val="FFFFFF"/>
+              </a:buClr>
+              <a:buSzPct val="100000"/>
+              <a:buFont typeface="Arial" charset="0"/>
+              <a:buChar char="•"/>
+            </a:pPr>
+            <a:r>
+              <a:rPr lang="en" sz="1800" dirty="0">
+                <a:solidFill>
+                  <a:srgbClr val="FFFFFF"/>
+                </a:solidFill>
+              </a:rPr>
+              <a:t>Square-root law</a:t>
+            </a:r>
+            <a:r>
+              <a:rPr lang="en" sz="1800" dirty="0" smtClean="0">
+                <a:solidFill>
+                  <a:srgbClr val="FFFFFF"/>
+                </a:solidFill>
+              </a:rPr>
+              <a:t>?</a:t>
+            </a:r>
+            <a:endParaRPr lang="en" sz="1800" dirty="0">
+              <a:solidFill>
+                <a:srgbClr val="FFFFFF"/>
+              </a:solidFill>
+            </a:endParaRPr>
+          </a:p>
+          <a:p>
+            <a:pPr marL="457189" lvl="0" indent="-317492">
+              <a:spcAft>
+                <a:spcPts val="1600"/>
+              </a:spcAft>
+              <a:buClr>
+                <a:srgbClr val="FFFFFF"/>
+              </a:buClr>
+              <a:buSzPct val="100000"/>
+              <a:buFont typeface="Arial" charset="0"/>
+              <a:buChar char="•"/>
+            </a:pPr>
+            <a:r>
+              <a:rPr lang="en" sz="1800" dirty="0" smtClean="0">
+                <a:solidFill>
+                  <a:srgbClr val="FFFFFF"/>
+                </a:solidFill>
+              </a:rPr>
+              <a:t>Y-ratio</a:t>
+            </a:r>
+            <a:endParaRPr lang="en" sz="1800" dirty="0">
+              <a:solidFill>
+                <a:srgbClr val="FFFFFF"/>
+              </a:solidFill>
+            </a:endParaRPr>
+          </a:p>
+          <a:p>
+            <a:pPr marL="457189" lvl="0" indent="-317492">
+              <a:spcAft>
+                <a:spcPts val="1600"/>
+              </a:spcAft>
+              <a:buClr>
+                <a:srgbClr val="FFFFFF"/>
+              </a:buClr>
+              <a:buSzPct val="100000"/>
+              <a:buFont typeface="Arial" charset="0"/>
+              <a:buChar char="•"/>
+            </a:pPr>
+            <a:r>
+              <a:rPr lang="en" sz="1800" dirty="0">
+                <a:solidFill>
+                  <a:srgbClr val="FFFFFF"/>
+                </a:solidFill>
+              </a:rPr>
+              <a:t>Permanent impact?</a:t>
+            </a:r>
+          </a:p>
+        </p:txBody>
+      </p:sp>
+      <p:sp>
+        <p:nvSpPr>
+          <p:cNvPr id="16" name="Shape 70"/>
+          <p:cNvSpPr txBox="1">
+            <a:spLocks/>
+          </p:cNvSpPr>
+          <p:nvPr/>
+        </p:nvSpPr>
+        <p:spPr>
+          <a:xfrm>
+            <a:off x="69450" y="-5560"/>
+            <a:ext cx="3853199" cy="524399"/>
           </a:xfrm>
           <a:prstGeom prst="rect">
             <a:avLst/>
@@ -6041,8 +5725,593 @@
             <a:noFill/>
           </a:ln>
         </p:spPr>
-      </p:pic>
+        <p:txBody>
+          <a:bodyPr lIns="91425" tIns="91425" rIns="91425" bIns="91425" anchor="t" anchorCtr="0">
+            <a:noAutofit/>
+          </a:bodyPr>
+          <a:lstStyle>
+            <a:defPPr marR="0" lvl="0" algn="l" rtl="0">
+              <a:lnSpc>
+                <a:spcPct val="100000"/>
+              </a:lnSpc>
+              <a:spcBef>
+                <a:spcPts val="0"/>
+              </a:spcBef>
+              <a:spcAft>
+                <a:spcPts val="0"/>
+              </a:spcAft>
+            </a:defPPr>
+            <a:lvl1pPr marR="0" lvl="0" algn="l" rtl="0">
+              <a:lnSpc>
+                <a:spcPct val="115000"/>
+              </a:lnSpc>
+              <a:spcBef>
+                <a:spcPts val="0"/>
+              </a:spcBef>
+              <a:spcAft>
+                <a:spcPts val="1600"/>
+              </a:spcAft>
+              <a:buClr>
+                <a:schemeClr val="dk1"/>
+              </a:buClr>
+              <a:buSzPct val="100000"/>
+              <a:buFont typeface="Roboto"/>
+              <a:buNone/>
+              <a:defRPr sz="1800" b="0" i="0" u="none" strike="noStrike" cap="none">
+                <a:solidFill>
+                  <a:schemeClr val="dk1"/>
+                </a:solidFill>
+                <a:latin typeface="Roboto"/>
+                <a:ea typeface="Roboto"/>
+                <a:cs typeface="Roboto"/>
+                <a:sym typeface="Roboto"/>
+              </a:defRPr>
+            </a:lvl1pPr>
+            <a:lvl2pPr marR="0" lvl="1" algn="l" rtl="0">
+              <a:lnSpc>
+                <a:spcPct val="115000"/>
+              </a:lnSpc>
+              <a:spcBef>
+                <a:spcPts val="0"/>
+              </a:spcBef>
+              <a:spcAft>
+                <a:spcPts val="1600"/>
+              </a:spcAft>
+              <a:buClr>
+                <a:schemeClr val="dk1"/>
+              </a:buClr>
+              <a:buFont typeface="Roboto"/>
+              <a:buNone/>
+              <a:defRPr sz="1400" b="0" i="0" u="none" strike="noStrike" cap="none">
+                <a:solidFill>
+                  <a:schemeClr val="dk1"/>
+                </a:solidFill>
+                <a:latin typeface="Roboto"/>
+                <a:ea typeface="Roboto"/>
+                <a:cs typeface="Roboto"/>
+                <a:sym typeface="Roboto"/>
+              </a:defRPr>
+            </a:lvl2pPr>
+            <a:lvl3pPr marR="0" lvl="2" algn="l" rtl="0">
+              <a:lnSpc>
+                <a:spcPct val="115000"/>
+              </a:lnSpc>
+              <a:spcBef>
+                <a:spcPts val="0"/>
+              </a:spcBef>
+              <a:spcAft>
+                <a:spcPts val="1600"/>
+              </a:spcAft>
+              <a:buClr>
+                <a:schemeClr val="dk1"/>
+              </a:buClr>
+              <a:buFont typeface="Roboto"/>
+              <a:buNone/>
+              <a:defRPr sz="1400" b="0" i="0" u="none" strike="noStrike" cap="none">
+                <a:solidFill>
+                  <a:schemeClr val="dk1"/>
+                </a:solidFill>
+                <a:latin typeface="Roboto"/>
+                <a:ea typeface="Roboto"/>
+                <a:cs typeface="Roboto"/>
+                <a:sym typeface="Roboto"/>
+              </a:defRPr>
+            </a:lvl3pPr>
+            <a:lvl4pPr marR="0" lvl="3" algn="l" rtl="0">
+              <a:lnSpc>
+                <a:spcPct val="115000"/>
+              </a:lnSpc>
+              <a:spcBef>
+                <a:spcPts val="0"/>
+              </a:spcBef>
+              <a:spcAft>
+                <a:spcPts val="1600"/>
+              </a:spcAft>
+              <a:buClr>
+                <a:schemeClr val="dk1"/>
+              </a:buClr>
+              <a:buFont typeface="Roboto"/>
+              <a:buNone/>
+              <a:defRPr sz="1400" b="0" i="0" u="none" strike="noStrike" cap="none">
+                <a:solidFill>
+                  <a:schemeClr val="dk1"/>
+                </a:solidFill>
+                <a:latin typeface="Roboto"/>
+                <a:ea typeface="Roboto"/>
+                <a:cs typeface="Roboto"/>
+                <a:sym typeface="Roboto"/>
+              </a:defRPr>
+            </a:lvl4pPr>
+            <a:lvl5pPr marR="0" lvl="4" algn="l" rtl="0">
+              <a:lnSpc>
+                <a:spcPct val="115000"/>
+              </a:lnSpc>
+              <a:spcBef>
+                <a:spcPts val="0"/>
+              </a:spcBef>
+              <a:spcAft>
+                <a:spcPts val="1600"/>
+              </a:spcAft>
+              <a:buClr>
+                <a:schemeClr val="dk1"/>
+              </a:buClr>
+              <a:buFont typeface="Roboto"/>
+              <a:buNone/>
+              <a:defRPr sz="1400" b="0" i="0" u="none" strike="noStrike" cap="none">
+                <a:solidFill>
+                  <a:schemeClr val="dk1"/>
+                </a:solidFill>
+                <a:latin typeface="Roboto"/>
+                <a:ea typeface="Roboto"/>
+                <a:cs typeface="Roboto"/>
+                <a:sym typeface="Roboto"/>
+              </a:defRPr>
+            </a:lvl5pPr>
+            <a:lvl6pPr marR="0" lvl="5" algn="l" rtl="0">
+              <a:lnSpc>
+                <a:spcPct val="115000"/>
+              </a:lnSpc>
+              <a:spcBef>
+                <a:spcPts val="0"/>
+              </a:spcBef>
+              <a:spcAft>
+                <a:spcPts val="1600"/>
+              </a:spcAft>
+              <a:buClr>
+                <a:schemeClr val="dk1"/>
+              </a:buClr>
+              <a:buFont typeface="Roboto"/>
+              <a:buNone/>
+              <a:defRPr sz="1400" b="0" i="0" u="none" strike="noStrike" cap="none">
+                <a:solidFill>
+                  <a:schemeClr val="dk1"/>
+                </a:solidFill>
+                <a:latin typeface="Roboto"/>
+                <a:ea typeface="Roboto"/>
+                <a:cs typeface="Roboto"/>
+                <a:sym typeface="Roboto"/>
+              </a:defRPr>
+            </a:lvl6pPr>
+            <a:lvl7pPr marR="0" lvl="6" algn="l" rtl="0">
+              <a:lnSpc>
+                <a:spcPct val="115000"/>
+              </a:lnSpc>
+              <a:spcBef>
+                <a:spcPts val="0"/>
+              </a:spcBef>
+              <a:spcAft>
+                <a:spcPts val="1600"/>
+              </a:spcAft>
+              <a:buClr>
+                <a:schemeClr val="dk1"/>
+              </a:buClr>
+              <a:buFont typeface="Roboto"/>
+              <a:buNone/>
+              <a:defRPr sz="1400" b="0" i="0" u="none" strike="noStrike" cap="none">
+                <a:solidFill>
+                  <a:schemeClr val="dk1"/>
+                </a:solidFill>
+                <a:latin typeface="Roboto"/>
+                <a:ea typeface="Roboto"/>
+                <a:cs typeface="Roboto"/>
+                <a:sym typeface="Roboto"/>
+              </a:defRPr>
+            </a:lvl7pPr>
+            <a:lvl8pPr marR="0" lvl="7" algn="l" rtl="0">
+              <a:lnSpc>
+                <a:spcPct val="115000"/>
+              </a:lnSpc>
+              <a:spcBef>
+                <a:spcPts val="0"/>
+              </a:spcBef>
+              <a:spcAft>
+                <a:spcPts val="1600"/>
+              </a:spcAft>
+              <a:buClr>
+                <a:schemeClr val="dk1"/>
+              </a:buClr>
+              <a:buFont typeface="Roboto"/>
+              <a:buNone/>
+              <a:defRPr sz="1400" b="0" i="0" u="none" strike="noStrike" cap="none">
+                <a:solidFill>
+                  <a:schemeClr val="dk1"/>
+                </a:solidFill>
+                <a:latin typeface="Roboto"/>
+                <a:ea typeface="Roboto"/>
+                <a:cs typeface="Roboto"/>
+                <a:sym typeface="Roboto"/>
+              </a:defRPr>
+            </a:lvl8pPr>
+            <a:lvl9pPr marR="0" lvl="8" algn="l" rtl="0">
+              <a:lnSpc>
+                <a:spcPct val="115000"/>
+              </a:lnSpc>
+              <a:spcBef>
+                <a:spcPts val="0"/>
+              </a:spcBef>
+              <a:spcAft>
+                <a:spcPts val="1600"/>
+              </a:spcAft>
+              <a:buClr>
+                <a:schemeClr val="dk1"/>
+              </a:buClr>
+              <a:buFont typeface="Roboto"/>
+              <a:buNone/>
+              <a:defRPr sz="1400" b="0" i="0" u="none" strike="noStrike" cap="none">
+                <a:solidFill>
+                  <a:schemeClr val="dk1"/>
+                </a:solidFill>
+                <a:latin typeface="Roboto"/>
+                <a:ea typeface="Roboto"/>
+                <a:cs typeface="Roboto"/>
+                <a:sym typeface="Roboto"/>
+              </a:defRPr>
+            </a:lvl9pPr>
+          </a:lstStyle>
+          <a:p>
+            <a:r>
+              <a:rPr lang="en" sz="3000" b="1" dirty="0" smtClean="0">
+                <a:solidFill>
+                  <a:schemeClr val="accent5"/>
+                </a:solidFill>
+                <a:latin typeface="Roboto Slab"/>
+                <a:ea typeface="Roboto Slab"/>
+                <a:cs typeface="Roboto Slab"/>
+                <a:sym typeface="Roboto Slab"/>
+              </a:rPr>
+              <a:t>Data</a:t>
+            </a:r>
+            <a:endParaRPr lang="en" sz="3000" b="1" dirty="0">
+              <a:solidFill>
+                <a:schemeClr val="accent5"/>
+              </a:solidFill>
+              <a:latin typeface="Roboto Slab"/>
+              <a:ea typeface="Roboto Slab"/>
+              <a:cs typeface="Roboto Slab"/>
+              <a:sym typeface="Roboto Slab"/>
+            </a:endParaRPr>
+          </a:p>
+        </p:txBody>
+      </p:sp>
+      <p:sp>
+        <p:nvSpPr>
+          <p:cNvPr id="18" name="Shape 70"/>
+          <p:cNvSpPr txBox="1">
+            <a:spLocks/>
+          </p:cNvSpPr>
+          <p:nvPr/>
+        </p:nvSpPr>
+        <p:spPr>
+          <a:xfrm>
+            <a:off x="57289" y="2003564"/>
+            <a:ext cx="3853199" cy="524399"/>
+          </a:xfrm>
+          <a:prstGeom prst="rect">
+            <a:avLst/>
+          </a:prstGeom>
+          <a:noFill/>
+          <a:ln>
+            <a:noFill/>
+          </a:ln>
+        </p:spPr>
+        <p:txBody>
+          <a:bodyPr lIns="91425" tIns="91425" rIns="91425" bIns="91425" anchor="t" anchorCtr="0">
+            <a:noAutofit/>
+          </a:bodyPr>
+          <a:lstStyle>
+            <a:defPPr marR="0" lvl="0" algn="l" rtl="0">
+              <a:lnSpc>
+                <a:spcPct val="100000"/>
+              </a:lnSpc>
+              <a:spcBef>
+                <a:spcPts val="0"/>
+              </a:spcBef>
+              <a:spcAft>
+                <a:spcPts val="0"/>
+              </a:spcAft>
+            </a:defPPr>
+            <a:lvl1pPr marR="0" lvl="0" algn="l" rtl="0">
+              <a:lnSpc>
+                <a:spcPct val="115000"/>
+              </a:lnSpc>
+              <a:spcBef>
+                <a:spcPts val="0"/>
+              </a:spcBef>
+              <a:spcAft>
+                <a:spcPts val="1600"/>
+              </a:spcAft>
+              <a:buClr>
+                <a:schemeClr val="dk1"/>
+              </a:buClr>
+              <a:buSzPct val="100000"/>
+              <a:buFont typeface="Roboto"/>
+              <a:buNone/>
+              <a:defRPr sz="1800" b="0" i="0" u="none" strike="noStrike" cap="none">
+                <a:solidFill>
+                  <a:schemeClr val="dk1"/>
+                </a:solidFill>
+                <a:latin typeface="Roboto"/>
+                <a:ea typeface="Roboto"/>
+                <a:cs typeface="Roboto"/>
+                <a:sym typeface="Roboto"/>
+              </a:defRPr>
+            </a:lvl1pPr>
+            <a:lvl2pPr marR="0" lvl="1" algn="l" rtl="0">
+              <a:lnSpc>
+                <a:spcPct val="115000"/>
+              </a:lnSpc>
+              <a:spcBef>
+                <a:spcPts val="0"/>
+              </a:spcBef>
+              <a:spcAft>
+                <a:spcPts val="1600"/>
+              </a:spcAft>
+              <a:buClr>
+                <a:schemeClr val="dk1"/>
+              </a:buClr>
+              <a:buFont typeface="Roboto"/>
+              <a:buNone/>
+              <a:defRPr sz="1400" b="0" i="0" u="none" strike="noStrike" cap="none">
+                <a:solidFill>
+                  <a:schemeClr val="dk1"/>
+                </a:solidFill>
+                <a:latin typeface="Roboto"/>
+                <a:ea typeface="Roboto"/>
+                <a:cs typeface="Roboto"/>
+                <a:sym typeface="Roboto"/>
+              </a:defRPr>
+            </a:lvl2pPr>
+            <a:lvl3pPr marR="0" lvl="2" algn="l" rtl="0">
+              <a:lnSpc>
+                <a:spcPct val="115000"/>
+              </a:lnSpc>
+              <a:spcBef>
+                <a:spcPts val="0"/>
+              </a:spcBef>
+              <a:spcAft>
+                <a:spcPts val="1600"/>
+              </a:spcAft>
+              <a:buClr>
+                <a:schemeClr val="dk1"/>
+              </a:buClr>
+              <a:buFont typeface="Roboto"/>
+              <a:buNone/>
+              <a:defRPr sz="1400" b="0" i="0" u="none" strike="noStrike" cap="none">
+                <a:solidFill>
+                  <a:schemeClr val="dk1"/>
+                </a:solidFill>
+                <a:latin typeface="Roboto"/>
+                <a:ea typeface="Roboto"/>
+                <a:cs typeface="Roboto"/>
+                <a:sym typeface="Roboto"/>
+              </a:defRPr>
+            </a:lvl3pPr>
+            <a:lvl4pPr marR="0" lvl="3" algn="l" rtl="0">
+              <a:lnSpc>
+                <a:spcPct val="115000"/>
+              </a:lnSpc>
+              <a:spcBef>
+                <a:spcPts val="0"/>
+              </a:spcBef>
+              <a:spcAft>
+                <a:spcPts val="1600"/>
+              </a:spcAft>
+              <a:buClr>
+                <a:schemeClr val="dk1"/>
+              </a:buClr>
+              <a:buFont typeface="Roboto"/>
+              <a:buNone/>
+              <a:defRPr sz="1400" b="0" i="0" u="none" strike="noStrike" cap="none">
+                <a:solidFill>
+                  <a:schemeClr val="dk1"/>
+                </a:solidFill>
+                <a:latin typeface="Roboto"/>
+                <a:ea typeface="Roboto"/>
+                <a:cs typeface="Roboto"/>
+                <a:sym typeface="Roboto"/>
+              </a:defRPr>
+            </a:lvl4pPr>
+            <a:lvl5pPr marR="0" lvl="4" algn="l" rtl="0">
+              <a:lnSpc>
+                <a:spcPct val="115000"/>
+              </a:lnSpc>
+              <a:spcBef>
+                <a:spcPts val="0"/>
+              </a:spcBef>
+              <a:spcAft>
+                <a:spcPts val="1600"/>
+              </a:spcAft>
+              <a:buClr>
+                <a:schemeClr val="dk1"/>
+              </a:buClr>
+              <a:buFont typeface="Roboto"/>
+              <a:buNone/>
+              <a:defRPr sz="1400" b="0" i="0" u="none" strike="noStrike" cap="none">
+                <a:solidFill>
+                  <a:schemeClr val="dk1"/>
+                </a:solidFill>
+                <a:latin typeface="Roboto"/>
+                <a:ea typeface="Roboto"/>
+                <a:cs typeface="Roboto"/>
+                <a:sym typeface="Roboto"/>
+              </a:defRPr>
+            </a:lvl5pPr>
+            <a:lvl6pPr marR="0" lvl="5" algn="l" rtl="0">
+              <a:lnSpc>
+                <a:spcPct val="115000"/>
+              </a:lnSpc>
+              <a:spcBef>
+                <a:spcPts val="0"/>
+              </a:spcBef>
+              <a:spcAft>
+                <a:spcPts val="1600"/>
+              </a:spcAft>
+              <a:buClr>
+                <a:schemeClr val="dk1"/>
+              </a:buClr>
+              <a:buFont typeface="Roboto"/>
+              <a:buNone/>
+              <a:defRPr sz="1400" b="0" i="0" u="none" strike="noStrike" cap="none">
+                <a:solidFill>
+                  <a:schemeClr val="dk1"/>
+                </a:solidFill>
+                <a:latin typeface="Roboto"/>
+                <a:ea typeface="Roboto"/>
+                <a:cs typeface="Roboto"/>
+                <a:sym typeface="Roboto"/>
+              </a:defRPr>
+            </a:lvl6pPr>
+            <a:lvl7pPr marR="0" lvl="6" algn="l" rtl="0">
+              <a:lnSpc>
+                <a:spcPct val="115000"/>
+              </a:lnSpc>
+              <a:spcBef>
+                <a:spcPts val="0"/>
+              </a:spcBef>
+              <a:spcAft>
+                <a:spcPts val="1600"/>
+              </a:spcAft>
+              <a:buClr>
+                <a:schemeClr val="dk1"/>
+              </a:buClr>
+              <a:buFont typeface="Roboto"/>
+              <a:buNone/>
+              <a:defRPr sz="1400" b="0" i="0" u="none" strike="noStrike" cap="none">
+                <a:solidFill>
+                  <a:schemeClr val="dk1"/>
+                </a:solidFill>
+                <a:latin typeface="Roboto"/>
+                <a:ea typeface="Roboto"/>
+                <a:cs typeface="Roboto"/>
+                <a:sym typeface="Roboto"/>
+              </a:defRPr>
+            </a:lvl7pPr>
+            <a:lvl8pPr marR="0" lvl="7" algn="l" rtl="0">
+              <a:lnSpc>
+                <a:spcPct val="115000"/>
+              </a:lnSpc>
+              <a:spcBef>
+                <a:spcPts val="0"/>
+              </a:spcBef>
+              <a:spcAft>
+                <a:spcPts val="1600"/>
+              </a:spcAft>
+              <a:buClr>
+                <a:schemeClr val="dk1"/>
+              </a:buClr>
+              <a:buFont typeface="Roboto"/>
+              <a:buNone/>
+              <a:defRPr sz="1400" b="0" i="0" u="none" strike="noStrike" cap="none">
+                <a:solidFill>
+                  <a:schemeClr val="dk1"/>
+                </a:solidFill>
+                <a:latin typeface="Roboto"/>
+                <a:ea typeface="Roboto"/>
+                <a:cs typeface="Roboto"/>
+                <a:sym typeface="Roboto"/>
+              </a:defRPr>
+            </a:lvl8pPr>
+            <a:lvl9pPr marR="0" lvl="8" algn="l" rtl="0">
+              <a:lnSpc>
+                <a:spcPct val="115000"/>
+              </a:lnSpc>
+              <a:spcBef>
+                <a:spcPts val="0"/>
+              </a:spcBef>
+              <a:spcAft>
+                <a:spcPts val="1600"/>
+              </a:spcAft>
+              <a:buClr>
+                <a:schemeClr val="dk1"/>
+              </a:buClr>
+              <a:buFont typeface="Roboto"/>
+              <a:buNone/>
+              <a:defRPr sz="1400" b="0" i="0" u="none" strike="noStrike" cap="none">
+                <a:solidFill>
+                  <a:schemeClr val="dk1"/>
+                </a:solidFill>
+                <a:latin typeface="Roboto"/>
+                <a:ea typeface="Roboto"/>
+                <a:cs typeface="Roboto"/>
+                <a:sym typeface="Roboto"/>
+              </a:defRPr>
+            </a:lvl9pPr>
+          </a:lstStyle>
+          <a:p>
+            <a:r>
+              <a:rPr lang="en-US" altLang="zh-CN" sz="3000" b="1" dirty="0" smtClean="0">
+                <a:solidFill>
+                  <a:schemeClr val="accent5"/>
+                </a:solidFill>
+                <a:latin typeface="Roboto Slab"/>
+                <a:ea typeface="Roboto Slab"/>
+                <a:cs typeface="Roboto Slab"/>
+                <a:sym typeface="Roboto Slab"/>
+              </a:rPr>
+              <a:t>Presenting</a:t>
+            </a:r>
+            <a:r>
+              <a:rPr lang="zh-CN" altLang="en-US" sz="3000" b="1" dirty="0" smtClean="0">
+                <a:solidFill>
+                  <a:schemeClr val="accent5"/>
+                </a:solidFill>
+                <a:latin typeface="Roboto Slab"/>
+                <a:ea typeface="Roboto Slab"/>
+                <a:cs typeface="Roboto Slab"/>
+                <a:sym typeface="Roboto Slab"/>
+              </a:rPr>
+              <a:t> </a:t>
+            </a:r>
+            <a:r>
+              <a:rPr lang="en-US" altLang="zh-CN" sz="3000" b="1" dirty="0" smtClean="0">
+                <a:solidFill>
+                  <a:schemeClr val="accent5"/>
+                </a:solidFill>
+                <a:latin typeface="Roboto Slab"/>
+                <a:ea typeface="Roboto Slab"/>
+                <a:cs typeface="Roboto Slab"/>
+                <a:sym typeface="Roboto Slab"/>
+              </a:rPr>
+              <a:t>Points</a:t>
+            </a:r>
+            <a:endParaRPr lang="en" sz="3000" b="1" dirty="0">
+              <a:solidFill>
+                <a:schemeClr val="accent5"/>
+              </a:solidFill>
+              <a:latin typeface="Roboto Slab"/>
+              <a:ea typeface="Roboto Slab"/>
+              <a:cs typeface="Roboto Slab"/>
+              <a:sym typeface="Roboto Slab"/>
+            </a:endParaRPr>
+          </a:p>
+        </p:txBody>
+      </p:sp>
     </p:spTree>
+    <p:extLst>
+      <p:ext uri="{BB962C8B-B14F-4D97-AF65-F5344CB8AC3E}">
+        <p14:creationId xmlns:p14="http://schemas.microsoft.com/office/powerpoint/2010/main" val="483325014"/>
+      </p:ext>
+    </p:extLst>
   </p:cSld>
   <p:clrMapOvr>
     <a:masterClrMapping/>
@@ -6050,143 +6319,14 @@
   <p:timing>
     <p:tnLst>
       <p:par>
-        <p:cTn id="1" dur="indefinite" restart="never" nodeType="tmRoot">
-          <p:childTnLst>
-            <p:seq concurrent="1" nextAc="seek">
-              <p:cTn id="2" dur="indefinite" nodeType="mainSeq">
-                <p:childTnLst>
-                  <p:par>
-                    <p:cTn id="3" fill="hold">
-                      <p:stCondLst>
-                        <p:cond delay="indefinite"/>
-                      </p:stCondLst>
-                      <p:childTnLst>
-                        <p:par>
-                          <p:cTn id="4" fill="hold">
-                            <p:stCondLst>
-                              <p:cond delay="0"/>
-                            </p:stCondLst>
-                            <p:childTnLst>
-                              <p:par>
-                                <p:cTn id="5" presetID="10" presetClass="entr" presetSubtype="0" fill="hold" nodeType="clickEffect">
-                                  <p:stCondLst>
-                                    <p:cond delay="0"/>
-                                  </p:stCondLst>
-                                  <p:childTnLst>
-                                    <p:set>
-                                      <p:cBhvr>
-                                        <p:cTn id="6" dur="1" fill="hold">
-                                          <p:stCondLst>
-                                            <p:cond delay="0"/>
-                                          </p:stCondLst>
-                                        </p:cTn>
-                                        <p:tgtEl>
-                                          <p:spTgt spid="83"/>
-                                        </p:tgtEl>
-                                        <p:attrNameLst>
-                                          <p:attrName>style.visibility</p:attrName>
-                                        </p:attrNameLst>
-                                      </p:cBhvr>
-                                      <p:to>
-                                        <p:strVal val="visible"/>
-                                      </p:to>
-                                    </p:set>
-                                    <p:animEffect transition="in" filter="fade">
-                                      <p:cBhvr>
-                                        <p:cTn id="7" dur="600"/>
-                                        <p:tgtEl>
-                                          <p:spTgt spid="83"/>
-                                        </p:tgtEl>
-                                      </p:cBhvr>
-                                    </p:animEffect>
-                                  </p:childTnLst>
-                                </p:cTn>
-                              </p:par>
-                            </p:childTnLst>
-                          </p:cTn>
-                        </p:par>
-                      </p:childTnLst>
-                    </p:cTn>
-                  </p:par>
-                  <p:par>
-                    <p:cTn id="8" fill="hold">
-                      <p:stCondLst>
-                        <p:cond delay="indefinite"/>
-                      </p:stCondLst>
-                      <p:childTnLst>
-                        <p:par>
-                          <p:cTn id="9" fill="hold">
-                            <p:stCondLst>
-                              <p:cond delay="0"/>
-                            </p:stCondLst>
-                            <p:childTnLst>
-                              <p:par>
-                                <p:cTn id="10" presetID="10" presetClass="exit" presetSubtype="0" fill="hold" nodeType="clickEffect">
-                                  <p:stCondLst>
-                                    <p:cond delay="0"/>
-                                  </p:stCondLst>
-                                  <p:childTnLst>
-                                    <p:animEffect transition="out" filter="fade">
-                                      <p:cBhvr>
-                                        <p:cTn id="11" dur="900"/>
-                                        <p:tgtEl>
-                                          <p:spTgt spid="83"/>
-                                        </p:tgtEl>
-                                      </p:cBhvr>
-                                    </p:animEffect>
-                                    <p:set>
-                                      <p:cBhvr>
-                                        <p:cTn id="12" dur="1" fill="hold">
-                                          <p:stCondLst>
-                                            <p:cond delay="900"/>
-                                          </p:stCondLst>
-                                        </p:cTn>
-                                        <p:tgtEl>
-                                          <p:spTgt spid="83"/>
-                                        </p:tgtEl>
-                                        <p:attrNameLst>
-                                          <p:attrName>style.visibility</p:attrName>
-                                        </p:attrNameLst>
-                                      </p:cBhvr>
-                                      <p:to>
-                                        <p:strVal val="hidden"/>
-                                      </p:to>
-                                    </p:set>
-                                  </p:childTnLst>
-                                </p:cTn>
-                              </p:par>
-                            </p:childTnLst>
-                          </p:cTn>
-                        </p:par>
-                      </p:childTnLst>
-                    </p:cTn>
-                  </p:par>
-                </p:childTnLst>
-              </p:cTn>
-              <p:prevCondLst>
-                <p:cond evt="onPrev" delay="0">
-                  <p:tgtEl>
-                    <p:sldTgt/>
-                  </p:tgtEl>
-                </p:cond>
-              </p:prevCondLst>
-              <p:nextCondLst>
-                <p:cond evt="onNext" delay="0">
-                  <p:tgtEl>
-                    <p:sldTgt/>
-                  </p:tgtEl>
-                </p:cond>
-              </p:nextCondLst>
-            </p:seq>
-          </p:childTnLst>
-        </p:cTn>
+        <p:cTn id="1" dur="indefinite" restart="never" nodeType="tmRoot"/>
       </p:par>
     </p:tnLst>
   </p:timing>
 </p:sld>
 </file>
 
-<file path=ppt/slides/slide4.xml><?xml version="1.0" encoding="utf-8"?>
+<file path=ppt/slides/slide3.xml><?xml version="1.0" encoding="utf-8"?>
 <p:sld xmlns:a="http://schemas.openxmlformats.org/drawingml/2006/main" xmlns:r="http://schemas.openxmlformats.org/officeDocument/2006/relationships" xmlns:p="http://schemas.openxmlformats.org/presentationml/2006/main">
   <p:cSld>
     <p:spTree>
@@ -6229,7 +6369,7 @@
           <a:lstStyle/>
           <a:p>
             <a:r>
-              <a:rPr lang="en"/>
+              <a:rPr lang="en" b="1" dirty="0"/>
               <a:t>Square-root law?</a:t>
             </a:r>
           </a:p>
@@ -6365,8 +6505,8 @@
         </p:blipFill>
         <p:spPr>
           <a:xfrm>
-            <a:off x="3663350" y="1489826"/>
-            <a:ext cx="5427201" cy="3530325"/>
+            <a:off x="3396448" y="1822085"/>
+            <a:ext cx="2668685" cy="2746639"/>
           </a:xfrm>
           <a:prstGeom prst="rect">
             <a:avLst/>
@@ -6421,8 +6561,8 @@
         </p:blipFill>
         <p:spPr>
           <a:xfrm>
-            <a:off x="3663351" y="1489825"/>
-            <a:ext cx="5427200" cy="3530324"/>
+            <a:off x="6065134" y="1822085"/>
+            <a:ext cx="3078866" cy="2746639"/>
           </a:xfrm>
           <a:prstGeom prst="rect">
             <a:avLst/>
@@ -6501,90 +6641,14 @@
   <p:timing>
     <p:tnLst>
       <p:par>
-        <p:cTn id="1" dur="indefinite" restart="never" nodeType="tmRoot">
-          <p:childTnLst>
-            <p:seq concurrent="1" nextAc="seek">
-              <p:cTn id="2" dur="indefinite" nodeType="mainSeq">
-                <p:childTnLst>
-                  <p:par>
-                    <p:cTn id="3" fill="hold">
-                      <p:stCondLst>
-                        <p:cond delay="indefinite"/>
-                      </p:stCondLst>
-                      <p:childTnLst>
-                        <p:par>
-                          <p:cTn id="4" fill="hold">
-                            <p:stCondLst>
-                              <p:cond delay="0"/>
-                            </p:stCondLst>
-                            <p:childTnLst>
-                              <p:par>
-                                <p:cTn id="5" presetID="10" presetClass="entr" presetSubtype="0" fill="hold" nodeType="clickEffect">
-                                  <p:stCondLst>
-                                    <p:cond delay="0"/>
-                                  </p:stCondLst>
-                                  <p:childTnLst>
-                                    <p:set>
-                                      <p:cBhvr>
-                                        <p:cTn id="6" dur="1" fill="hold">
-                                          <p:stCondLst>
-                                            <p:cond delay="0"/>
-                                          </p:stCondLst>
-                                        </p:cTn>
-                                        <p:tgtEl>
-                                          <p:spTgt spid="93"/>
-                                        </p:tgtEl>
-                                        <p:attrNameLst>
-                                          <p:attrName>style.visibility</p:attrName>
-                                        </p:attrNameLst>
-                                      </p:cBhvr>
-                                      <p:to>
-                                        <p:strVal val="visible"/>
-                                      </p:to>
-                                    </p:set>
-                                    <p:animEffect transition="in" filter="fade">
-                                      <p:cBhvr>
-                                        <p:cTn id="7" dur="500"/>
-                                        <p:tgtEl>
-                                          <p:spTgt spid="93"/>
-                                        </p:tgtEl>
-                                      </p:cBhvr>
-                                    </p:animEffect>
-                                  </p:childTnLst>
-                                </p:cTn>
-                              </p:par>
-                            </p:childTnLst>
-                          </p:cTn>
-                        </p:par>
-                      </p:childTnLst>
-                    </p:cTn>
-                  </p:par>
-                </p:childTnLst>
-              </p:cTn>
-              <p:prevCondLst>
-                <p:cond evt="onPrev" delay="0">
-                  <p:tgtEl>
-                    <p:sldTgt/>
-                  </p:tgtEl>
-                </p:cond>
-              </p:prevCondLst>
-              <p:nextCondLst>
-                <p:cond evt="onNext" delay="0">
-                  <p:tgtEl>
-                    <p:sldTgt/>
-                  </p:tgtEl>
-                </p:cond>
-              </p:nextCondLst>
-            </p:seq>
-          </p:childTnLst>
-        </p:cTn>
+        <p:cTn id="1" dur="indefinite" restart="never" nodeType="tmRoot"/>
       </p:par>
     </p:tnLst>
   </p:timing>
 </p:sld>
 </file>
 
-<file path=ppt/slides/slide5.xml><?xml version="1.0" encoding="utf-8"?>
+<file path=ppt/slides/slide4.xml><?xml version="1.0" encoding="utf-8"?>
 <p:sld xmlns:a="http://schemas.openxmlformats.org/drawingml/2006/main" xmlns:r="http://schemas.openxmlformats.org/officeDocument/2006/relationships" xmlns:p="http://schemas.openxmlformats.org/presentationml/2006/main">
   <p:cSld>
     <p:spTree>
@@ -6627,7 +6691,7 @@
           <a:lstStyle/>
           <a:p>
             <a:r>
-              <a:rPr lang="en"/>
+              <a:rPr lang="en" b="1" dirty="0"/>
               <a:t>Y-ratio</a:t>
             </a:r>
           </a:p>
@@ -6678,13 +6742,85 @@
               <a:buChar char="•"/>
             </a:pPr>
             <a:r>
+              <a:rPr lang="en-US" altLang="zh-CN" dirty="0" smtClean="0">
+                <a:latin typeface="Arial"/>
+                <a:ea typeface="Arial"/>
+                <a:cs typeface="Arial"/>
+                <a:sym typeface="Arial"/>
+              </a:rPr>
+              <a:t>Non-</a:t>
+            </a:r>
+            <a:r>
+              <a:rPr lang="en-US" altLang="zh-CN" dirty="0" err="1" smtClean="0">
+                <a:latin typeface="Arial"/>
+                <a:ea typeface="Arial"/>
+                <a:cs typeface="Arial"/>
+                <a:sym typeface="Arial"/>
+              </a:rPr>
+              <a:t>stationariness</a:t>
+            </a:r>
+            <a:r>
+              <a:rPr lang="zh-CN" altLang="en-US" dirty="0" smtClean="0">
+                <a:latin typeface="Arial"/>
+                <a:ea typeface="Arial"/>
+                <a:cs typeface="Arial"/>
+                <a:sym typeface="Arial"/>
+              </a:rPr>
+              <a:t> </a:t>
+            </a:r>
+            <a:r>
+              <a:rPr lang="en-US" altLang="zh-CN" dirty="0" smtClean="0">
+                <a:latin typeface="Arial"/>
+                <a:ea typeface="Arial"/>
+                <a:cs typeface="Arial"/>
+                <a:sym typeface="Arial"/>
+              </a:rPr>
+              <a:t>of</a:t>
+            </a:r>
+            <a:r>
+              <a:rPr lang="zh-CN" altLang="en-US" dirty="0" smtClean="0">
+                <a:latin typeface="Arial"/>
+                <a:ea typeface="Arial"/>
+                <a:cs typeface="Arial"/>
+                <a:sym typeface="Arial"/>
+              </a:rPr>
+              <a:t> </a:t>
+            </a:r>
+            <a:r>
+              <a:rPr lang="en" dirty="0" smtClean="0">
+                <a:latin typeface="Arial"/>
+                <a:ea typeface="Arial"/>
+                <a:cs typeface="Arial"/>
+                <a:sym typeface="Arial"/>
+              </a:rPr>
+              <a:t>Pre-factor </a:t>
+            </a:r>
+            <a:r>
+              <a:rPr lang="zh-CN" altLang="en-US" dirty="0" smtClean="0">
+                <a:latin typeface="Arial"/>
+                <a:ea typeface="Arial"/>
+                <a:cs typeface="Arial"/>
+                <a:sym typeface="Arial"/>
+              </a:rPr>
+              <a:t>                </a:t>
+            </a:r>
+            <a:r>
+              <a:rPr lang="en" dirty="0" smtClean="0">
+                <a:latin typeface="Arial"/>
+                <a:ea typeface="Arial"/>
+                <a:cs typeface="Arial"/>
+                <a:sym typeface="Arial"/>
+              </a:rPr>
+              <a:t>is </a:t>
+            </a:r>
+            <a:r>
               <a:rPr lang="en" dirty="0">
                 <a:latin typeface="Arial"/>
                 <a:ea typeface="Arial"/>
                 <a:cs typeface="Arial"/>
                 <a:sym typeface="Arial"/>
               </a:rPr>
-              <a:t>Pre-factor is well encoded in the ration </a:t>
+              <a:t>well encoded in the ration </a:t>
             </a:r>
           </a:p>
           <a:p>
@@ -6748,7 +6884,7 @@
         </p:blipFill>
         <p:spPr>
           <a:xfrm>
-            <a:off x="4230749" y="2318901"/>
+            <a:off x="4230749" y="11724"/>
             <a:ext cx="4913251" cy="2824599"/>
           </a:xfrm>
           <a:prstGeom prst="rect">
@@ -6776,8 +6912,8 @@
         </p:blipFill>
         <p:spPr>
           <a:xfrm>
-            <a:off x="5034675" y="1"/>
-            <a:ext cx="3309396" cy="2318900"/>
+            <a:off x="4230750" y="2824600"/>
+            <a:ext cx="4913250" cy="2318900"/>
           </a:xfrm>
           <a:prstGeom prst="rect">
             <a:avLst/>
@@ -6804,7 +6940,7 @@
         </p:blipFill>
         <p:spPr>
           <a:xfrm>
-            <a:off x="1983401" y="2737612"/>
+            <a:off x="1406962" y="2754924"/>
             <a:ext cx="885400" cy="274351"/>
           </a:xfrm>
           <a:prstGeom prst="rect">
@@ -6891,7 +7027,7 @@
 </p:sld>
 </file>
 
-<file path=ppt/slides/slide6.xml><?xml version="1.0" encoding="utf-8"?>
+<file path=ppt/slides/slide5.xml><?xml version="1.0" encoding="utf-8"?>
 <p:sld xmlns:a="http://schemas.openxmlformats.org/drawingml/2006/main" xmlns:r="http://schemas.openxmlformats.org/officeDocument/2006/relationships" xmlns:p="http://schemas.openxmlformats.org/presentationml/2006/main">
   <p:cSld>
     <p:spTree>
@@ -6934,7 +7070,7 @@
           <a:lstStyle/>
           <a:p>
             <a:r>
-              <a:rPr lang="en"/>
+              <a:rPr lang="en" b="1" dirty="0"/>
               <a:t>Permanent impact?</a:t>
             </a:r>
           </a:p>
@@ -7149,7 +7285,7 @@
 </p:sld>
 </file>
 
-<file path=ppt/slides/slide7.xml><?xml version="1.0" encoding="utf-8"?>
+<file path=ppt/slides/slide6.xml><?xml version="1.0" encoding="utf-8"?>
 <p:sld xmlns:a="http://schemas.openxmlformats.org/drawingml/2006/main" xmlns:r="http://schemas.openxmlformats.org/officeDocument/2006/relationships" xmlns:p="http://schemas.openxmlformats.org/presentationml/2006/main">
   <p:cSld>
     <p:spTree>
@@ -7174,8 +7310,8 @@
         </p:nvSpPr>
         <p:spPr>
           <a:xfrm>
-            <a:off x="1" y="1"/>
-            <a:ext cx="9161100" cy="2484600"/>
+            <a:off x="0" y="359265"/>
+            <a:ext cx="9161100" cy="2713677"/>
           </a:xfrm>
           <a:prstGeom prst="rect">
             <a:avLst/>
@@ -7224,7 +7360,7 @@
           <a:p>
             <a:pPr algn="ctr"/>
             <a:r>
-              <a:rPr lang="en">
+              <a:rPr lang="en" b="1" dirty="0">
                 <a:solidFill>
                   <a:schemeClr val="accent1"/>
                 </a:solidFill>
@@ -7234,299 +7370,120 @@
           </a:p>
         </p:txBody>
       </p:sp>
-      <p:grpSp>
-        <p:nvGrpSpPr>
-          <p:cNvPr id="121" name="Shape 121"/>
-          <p:cNvGrpSpPr/>
+      <p:pic>
+        <p:nvPicPr>
+          <p:cNvPr id="2" name="Picture 1"/>
+          <p:cNvPicPr>
+            <a:picLocks noChangeAspect="1"/>
+          </p:cNvPicPr>
           <p:nvPr/>
-        </p:nvGrpSpPr>
-        <p:grpSpPr>
-          <a:xfrm>
-            <a:off x="431476" y="1366425"/>
-            <a:ext cx="1644325" cy="1644300"/>
-            <a:chOff x="431475" y="1351550"/>
-            <a:chExt cx="1644325" cy="1644300"/>
-          </a:xfrm>
-        </p:grpSpPr>
-        <p:sp>
-          <p:nvSpPr>
-            <p:cNvPr id="122" name="Shape 122"/>
-            <p:cNvSpPr/>
-            <p:nvPr/>
-          </p:nvSpPr>
-          <p:spPr>
-            <a:xfrm>
-              <a:off x="431500" y="1351550"/>
-              <a:ext cx="1644300" cy="1644300"/>
-            </a:xfrm>
-            <a:prstGeom prst="ellipse">
-              <a:avLst/>
-            </a:prstGeom>
-            <a:solidFill>
-              <a:schemeClr val="accent2"/>
-            </a:solidFill>
-            <a:ln>
-              <a:noFill/>
-            </a:ln>
-          </p:spPr>
-          <p:txBody>
-            <a:bodyPr lIns="91425" tIns="91425" rIns="91425" bIns="91425" anchor="ctr" anchorCtr="0">
-              <a:noAutofit/>
-            </a:bodyPr>
-            <a:lstStyle/>
-            <a:p>
-              <a:endParaRPr/>
-            </a:p>
-          </p:txBody>
-        </p:sp>
-        <p:pic>
-          <p:nvPicPr>
-            <p:cNvPr id="123" name="Shape 123" descr="Cartoonish illustration of a woman with purple hair"/>
-            <p:cNvPicPr preferRelativeResize="0"/>
-            <p:nvPr/>
-          </p:nvPicPr>
-          <p:blipFill rotWithShape="1">
-            <a:blip r:embed="rId3">
-              <a:alphaModFix/>
-            </a:blip>
-            <a:srcRect l="-6205" t="-12422" r="-6216"/>
-            <a:stretch/>
-          </p:blipFill>
-          <p:spPr>
-            <a:xfrm>
-              <a:off x="431475" y="1351550"/>
-              <a:ext cx="1644300" cy="1644300"/>
-            </a:xfrm>
-            <a:prstGeom prst="ellipse">
-              <a:avLst/>
-            </a:prstGeom>
-            <a:noFill/>
-            <a:ln>
-              <a:noFill/>
-            </a:ln>
-          </p:spPr>
-        </p:pic>
-      </p:grpSp>
-      <p:grpSp>
-        <p:nvGrpSpPr>
-          <p:cNvPr id="124" name="Shape 124"/>
-          <p:cNvGrpSpPr/>
+        </p:nvPicPr>
+        <p:blipFill>
+          <a:blip r:embed="rId3"/>
+          <a:stretch>
+            <a:fillRect/>
+          </a:stretch>
+        </p:blipFill>
+        <p:spPr>
+          <a:xfrm>
+            <a:off x="7195895" y="1504186"/>
+            <a:ext cx="1409700" cy="1397000"/>
+          </a:xfrm>
+          <a:prstGeom prst="rect">
+            <a:avLst/>
+          </a:prstGeom>
+        </p:spPr>
+      </p:pic>
+      <p:pic>
+        <p:nvPicPr>
+          <p:cNvPr id="3" name="Picture 2"/>
+          <p:cNvPicPr>
+            <a:picLocks noChangeAspect="1"/>
+          </p:cNvPicPr>
           <p:nvPr/>
-        </p:nvGrpSpPr>
-        <p:grpSpPr>
-          <a:xfrm>
-            <a:off x="2649463" y="1351551"/>
-            <a:ext cx="1644300" cy="1659175"/>
-            <a:chOff x="2649450" y="1351550"/>
-            <a:chExt cx="1644300" cy="1659174"/>
-          </a:xfrm>
-        </p:grpSpPr>
-        <p:sp>
-          <p:nvSpPr>
-            <p:cNvPr id="125" name="Shape 125"/>
-            <p:cNvSpPr/>
-            <p:nvPr/>
-          </p:nvSpPr>
-          <p:spPr>
-            <a:xfrm>
-              <a:off x="2649450" y="1351550"/>
-              <a:ext cx="1644300" cy="1644300"/>
-            </a:xfrm>
-            <a:prstGeom prst="ellipse">
-              <a:avLst/>
-            </a:prstGeom>
-            <a:solidFill>
-              <a:schemeClr val="accent2"/>
-            </a:solidFill>
-            <a:ln>
-              <a:noFill/>
-            </a:ln>
-          </p:spPr>
-          <p:txBody>
-            <a:bodyPr lIns="91425" tIns="91425" rIns="91425" bIns="91425" anchor="ctr" anchorCtr="0">
-              <a:noAutofit/>
-            </a:bodyPr>
-            <a:lstStyle/>
-            <a:p>
-              <a:endParaRPr/>
-            </a:p>
-          </p:txBody>
-        </p:sp>
-        <p:pic>
-          <p:nvPicPr>
-            <p:cNvPr id="126" name="Shape 126" descr="Cartoonish illustration of a boy in a yellow shirt"/>
-            <p:cNvPicPr preferRelativeResize="0"/>
-            <p:nvPr/>
-          </p:nvPicPr>
-          <p:blipFill rotWithShape="1">
-            <a:blip r:embed="rId4">
-              <a:alphaModFix/>
-            </a:blip>
-            <a:srcRect l="-8182" t="-12397" r="-4214"/>
-            <a:stretch/>
-          </p:blipFill>
-          <p:spPr>
-            <a:xfrm>
-              <a:off x="2649450" y="1366424"/>
-              <a:ext cx="1644300" cy="1644300"/>
-            </a:xfrm>
-            <a:prstGeom prst="ellipse">
-              <a:avLst/>
-            </a:prstGeom>
-            <a:noFill/>
-            <a:ln>
-              <a:noFill/>
-            </a:ln>
-          </p:spPr>
-        </p:pic>
-      </p:grpSp>
-      <p:grpSp>
-        <p:nvGrpSpPr>
-          <p:cNvPr id="127" name="Shape 127"/>
-          <p:cNvGrpSpPr/>
+        </p:nvPicPr>
+        <p:blipFill>
+          <a:blip r:embed="rId4">
+            <a:extLst>
+              <a:ext uri="{28A0092B-C50C-407E-A947-70E740481C1C}">
+                <a14:useLocalDpi xmlns:a14="http://schemas.microsoft.com/office/drawing/2010/main" val="0"/>
+              </a:ext>
+            </a:extLst>
+          </a:blip>
+          <a:stretch>
+            <a:fillRect/>
+          </a:stretch>
+        </p:blipFill>
+        <p:spPr>
+          <a:xfrm>
+            <a:off x="438465" y="1391693"/>
+            <a:ext cx="1610470" cy="1610470"/>
+          </a:xfrm>
+          <a:prstGeom prst="rect">
+            <a:avLst/>
+          </a:prstGeom>
+        </p:spPr>
+      </p:pic>
+      <p:pic>
+        <p:nvPicPr>
+          <p:cNvPr id="4" name="Picture 3"/>
+          <p:cNvPicPr>
+            <a:picLocks noChangeAspect="1"/>
+          </p:cNvPicPr>
           <p:nvPr/>
-        </p:nvGrpSpPr>
-        <p:grpSpPr>
-          <a:xfrm>
-            <a:off x="4867425" y="1366425"/>
-            <a:ext cx="1644312" cy="1644300"/>
-            <a:chOff x="4867412" y="1351550"/>
-            <a:chExt cx="1644312" cy="1644300"/>
-          </a:xfrm>
-        </p:grpSpPr>
-        <p:sp>
-          <p:nvSpPr>
-            <p:cNvPr id="128" name="Shape 128"/>
-            <p:cNvSpPr/>
-            <p:nvPr/>
-          </p:nvSpPr>
-          <p:spPr>
-            <a:xfrm>
-              <a:off x="4867412" y="1351550"/>
-              <a:ext cx="1644300" cy="1644300"/>
-            </a:xfrm>
-            <a:prstGeom prst="ellipse">
-              <a:avLst/>
-            </a:prstGeom>
-            <a:solidFill>
-              <a:schemeClr val="accent2"/>
-            </a:solidFill>
-            <a:ln>
-              <a:noFill/>
-            </a:ln>
-          </p:spPr>
-          <p:txBody>
-            <a:bodyPr lIns="91425" tIns="91425" rIns="91425" bIns="91425" anchor="ctr" anchorCtr="0">
-              <a:noAutofit/>
-            </a:bodyPr>
-            <a:lstStyle/>
-            <a:p>
-              <a:endParaRPr/>
-            </a:p>
-          </p:txBody>
-        </p:sp>
-        <p:pic>
-          <p:nvPicPr>
-            <p:cNvPr id="129" name="Shape 129" descr="Cartoonish illustration of a woman with orange hair"/>
-            <p:cNvPicPr preferRelativeResize="0"/>
-            <p:nvPr/>
-          </p:nvPicPr>
-          <p:blipFill rotWithShape="1">
-            <a:blip r:embed="rId5">
-              <a:alphaModFix/>
-            </a:blip>
-            <a:srcRect l="-4969" t="-9938" r="-4969"/>
-            <a:stretch/>
-          </p:blipFill>
-          <p:spPr>
-            <a:xfrm>
-              <a:off x="4867425" y="1351550"/>
-              <a:ext cx="1644300" cy="1644300"/>
-            </a:xfrm>
-            <a:prstGeom prst="ellipse">
-              <a:avLst/>
-            </a:prstGeom>
-            <a:noFill/>
-            <a:ln>
-              <a:noFill/>
-            </a:ln>
-          </p:spPr>
-        </p:pic>
-      </p:grpSp>
-      <p:grpSp>
-        <p:nvGrpSpPr>
-          <p:cNvPr id="130" name="Shape 130"/>
-          <p:cNvGrpSpPr/>
+        </p:nvPicPr>
+        <p:blipFill>
+          <a:blip r:embed="rId5">
+            <a:extLst>
+              <a:ext uri="{28A0092B-C50C-407E-A947-70E740481C1C}">
+                <a14:useLocalDpi xmlns:a14="http://schemas.microsoft.com/office/drawing/2010/main" val="0"/>
+              </a:ext>
+            </a:extLst>
+          </a:blip>
+          <a:stretch>
+            <a:fillRect/>
+          </a:stretch>
+        </p:blipFill>
+        <p:spPr>
+          <a:xfrm>
+            <a:off x="2604440" y="1415012"/>
+            <a:ext cx="1587151" cy="1587151"/>
+          </a:xfrm>
+          <a:prstGeom prst="rect">
+            <a:avLst/>
+          </a:prstGeom>
+        </p:spPr>
+      </p:pic>
+      <p:pic>
+        <p:nvPicPr>
+          <p:cNvPr id="5" name="Picture 4"/>
+          <p:cNvPicPr>
+            <a:picLocks noChangeAspect="1"/>
+          </p:cNvPicPr>
           <p:nvPr/>
-        </p:nvGrpSpPr>
-        <p:grpSpPr>
-          <a:xfrm>
-            <a:off x="7085401" y="1366425"/>
-            <a:ext cx="1644300" cy="1644300"/>
-            <a:chOff x="7085400" y="1351550"/>
-            <a:chExt cx="1644300" cy="1644300"/>
-          </a:xfrm>
-        </p:grpSpPr>
-        <p:sp>
-          <p:nvSpPr>
-            <p:cNvPr id="131" name="Shape 131"/>
-            <p:cNvSpPr/>
-            <p:nvPr/>
-          </p:nvSpPr>
-          <p:spPr>
-            <a:xfrm>
-              <a:off x="7085400" y="1351550"/>
-              <a:ext cx="1644300" cy="1644300"/>
-            </a:xfrm>
-            <a:prstGeom prst="ellipse">
-              <a:avLst/>
-            </a:prstGeom>
-            <a:solidFill>
-              <a:schemeClr val="accent2"/>
-            </a:solidFill>
-            <a:ln>
-              <a:noFill/>
-            </a:ln>
-          </p:spPr>
-          <p:txBody>
-            <a:bodyPr lIns="91425" tIns="91425" rIns="91425" bIns="91425" anchor="ctr" anchorCtr="0">
-              <a:noAutofit/>
-            </a:bodyPr>
-            <a:lstStyle/>
-            <a:p>
-              <a:endParaRPr/>
-            </a:p>
-          </p:txBody>
-        </p:sp>
-        <p:pic>
-          <p:nvPicPr>
-            <p:cNvPr id="132" name="Shape 132" descr="Cartoonish illustration of a man in a blue shirt"/>
-            <p:cNvPicPr preferRelativeResize="0"/>
-            <p:nvPr/>
-          </p:nvPicPr>
-          <p:blipFill>
-            <a:blip r:embed="rId6">
-              <a:alphaModFix/>
-            </a:blip>
-            <a:stretch>
-              <a:fillRect/>
-            </a:stretch>
-          </p:blipFill>
-          <p:spPr>
-            <a:xfrm flipH="1">
-              <a:off x="7085400" y="1351550"/>
-              <a:ext cx="1644300" cy="1644300"/>
-            </a:xfrm>
-            <a:prstGeom prst="ellipse">
-              <a:avLst/>
-            </a:prstGeom>
-            <a:noFill/>
-            <a:ln>
-              <a:noFill/>
-            </a:ln>
-          </p:spPr>
-        </p:pic>
-      </p:grpSp>
+        </p:nvPicPr>
+        <p:blipFill>
+          <a:blip r:embed="rId6">
+            <a:extLst>
+              <a:ext uri="{28A0092B-C50C-407E-A947-70E740481C1C}">
+                <a14:useLocalDpi xmlns:a14="http://schemas.microsoft.com/office/drawing/2010/main" val="0"/>
+              </a:ext>
+            </a:extLst>
+          </a:blip>
+          <a:stretch>
+            <a:fillRect/>
+          </a:stretch>
+        </p:blipFill>
+        <p:spPr>
+          <a:xfrm>
+            <a:off x="5103230" y="1401150"/>
+            <a:ext cx="1304546" cy="1534761"/>
+          </a:xfrm>
+          <a:prstGeom prst="rect">
+            <a:avLst/>
+          </a:prstGeom>
+        </p:spPr>
+      </p:pic>
     </p:spTree>
   </p:cSld>
   <p:clrMapOvr>
